--- a/LiClassProject/라이클래스 팀프로젝트 산출물/6. 스토리보드(화면설계)/3조_스토리보드_20230403_회원.pptx
+++ b/LiClassProject/라이클래스 팀프로젝트 산출물/6. 스토리보드(화면설계)/3조_스토리보드_20230403_회원.pptx
@@ -3319,7 +3319,7 @@
                   <a:schemeClr val="tx1"/>
                 </a:solidFill>
               </a:rPr>
-              <a:t>1.1</a:t>
+              <a:t>1.0</a:t>
             </a:r>
             <a:endParaRPr lang="en-US" altLang="ko-KR">
               <a:solidFill>
@@ -3353,7 +3353,7 @@
                   <a:schemeClr val="tx1"/>
                 </a:solidFill>
               </a:rPr>
-              <a:t>2023.04.03</a:t>
+              <a:t>2023.03.14</a:t>
             </a:r>
             <a:endParaRPr lang="en-US" altLang="ko-KR">
               <a:solidFill>
@@ -14984,7 +14984,7 @@
 </file>
 
 <file path=ppt/slides/slide2.xml><?xml version="1.0" encoding="utf-8"?>
-<p:sld xmlns:a="http://schemas.openxmlformats.org/drawingml/2006/main" xmlns:r="http://schemas.openxmlformats.org/officeDocument/2006/relationships" xmlns:p="http://schemas.openxmlformats.org/presentationml/2006/main">
+<p:sld xmlns:r="http://schemas.openxmlformats.org/officeDocument/2006/relationships" xmlns:c="http://schemas.openxmlformats.org/drawingml/2006/chart" xmlns:a="http://schemas.openxmlformats.org/drawingml/2006/main" xmlns:dgm="http://schemas.openxmlformats.org/drawingml/2006/diagram" xmlns:dsp="http://schemas.microsoft.com/office/drawing/2008/diagram" xmlns:p="http://schemas.openxmlformats.org/presentationml/2006/main">
   <p:cSld>
     <p:spTree>
       <p:nvGrpSpPr>
@@ -15058,46 +15058,16 @@
                 <a:tableStyleId>{5C22544A-7EE6-4342-B048-85BDC9FD1C3A}</a:tableStyleId>
               </a:tblPr>
               <a:tblGrid>
-                <a:gridCol w="979622">
-                  <a:extLst>
-                    <a:ext uri="{9D8B030D-6E8A-4147-A177-3AD203B41FA5}">
-                      <a16:colId xmlns:a16="http://schemas.microsoft.com/office/drawing/2014/main" val="20000"/>
-                    </a:ext>
-                  </a:extLst>
-                </a:gridCol>
-                <a:gridCol w="1246799">
-                  <a:extLst>
-                    <a:ext uri="{9D8B030D-6E8A-4147-A177-3AD203B41FA5}">
-                      <a16:colId xmlns:a16="http://schemas.microsoft.com/office/drawing/2014/main" val="20001"/>
-                    </a:ext>
-                  </a:extLst>
-                </a:gridCol>
-                <a:gridCol w="5521529">
-                  <a:extLst>
-                    <a:ext uri="{9D8B030D-6E8A-4147-A177-3AD203B41FA5}">
-                      <a16:colId xmlns:a16="http://schemas.microsoft.com/office/drawing/2014/main" val="20002"/>
-                    </a:ext>
-                  </a:extLst>
-                </a:gridCol>
-                <a:gridCol w="1068681">
-                  <a:extLst>
-                    <a:ext uri="{9D8B030D-6E8A-4147-A177-3AD203B41FA5}">
-                      <a16:colId xmlns:a16="http://schemas.microsoft.com/office/drawing/2014/main" val="20003"/>
-                    </a:ext>
-                  </a:extLst>
-                </a:gridCol>
-                <a:gridCol w="979629">
-                  <a:extLst>
-                    <a:ext uri="{9D8B030D-6E8A-4147-A177-3AD203B41FA5}">
-                      <a16:colId xmlns:a16="http://schemas.microsoft.com/office/drawing/2014/main" val="20004"/>
-                    </a:ext>
-                  </a:extLst>
-                </a:gridCol>
+                <a:gridCol w="979622"/>
+                <a:gridCol w="1246799"/>
+                <a:gridCol w="5521529"/>
+                <a:gridCol w="1068681"/>
+                <a:gridCol w="979629"/>
               </a:tblGrid>
               <a:tr h="342763">
                 <a:tc>
                   <a:txBody>
-                    <a:bodyPr/>
+                    <a:bodyPr vert="horz" lIns="91440" tIns="45720" rIns="91440" bIns="45720" anchor="ctr" anchorCtr="0"/>
                     <a:lstStyle/>
                     <a:p>
                       <a:pPr lvl="0" algn="l" latinLnBrk="1">
@@ -15118,7 +15088,7 @@
                       </a:endParaRPr>
                     </a:p>
                   </a:txBody>
-                  <a:tcPr anchor="ctr">
+                  <a:tcPr marL="91440" marR="91440" anchor="ctr">
                     <a:lnR w="3175" cap="flat" cmpd="sng" algn="ctr">
                       <a:solidFill>
                         <a:schemeClr val="bg1">
@@ -15157,7 +15127,7 @@
                 </a:tc>
                 <a:tc>
                   <a:txBody>
-                    <a:bodyPr/>
+                    <a:bodyPr vert="horz" lIns="91440" tIns="45720" rIns="91440" bIns="45720" anchor="ctr" anchorCtr="0"/>
                     <a:lstStyle/>
                     <a:p>
                       <a:pPr lvl="0" algn="l" latinLnBrk="1">
@@ -15178,7 +15148,7 @@
                       </a:endParaRPr>
                     </a:p>
                   </a:txBody>
-                  <a:tcPr anchor="ctr">
+                  <a:tcPr marL="91440" marR="91440" anchor="ctr">
                     <a:lnL w="3175" cap="flat" cmpd="sng" algn="ctr">
                       <a:solidFill>
                         <a:schemeClr val="bg1">
@@ -15228,7 +15198,7 @@
                 </a:tc>
                 <a:tc>
                   <a:txBody>
-                    <a:bodyPr/>
+                    <a:bodyPr vert="horz" lIns="91440" tIns="45720" rIns="91440" bIns="45720" anchor="ctr" anchorCtr="0"/>
                     <a:lstStyle/>
                     <a:p>
                       <a:pPr lvl="0" algn="l" latinLnBrk="1">
@@ -15249,7 +15219,7 @@
                       </a:endParaRPr>
                     </a:p>
                   </a:txBody>
-                  <a:tcPr anchor="ctr">
+                  <a:tcPr marL="91440" marR="91440" anchor="ctr">
                     <a:lnL w="3175" cap="flat" cmpd="sng" algn="ctr">
                       <a:solidFill>
                         <a:schemeClr val="bg1">
@@ -15299,7 +15269,7 @@
                 </a:tc>
                 <a:tc>
                   <a:txBody>
-                    <a:bodyPr/>
+                    <a:bodyPr vert="horz" lIns="91440" tIns="45720" rIns="91440" bIns="45720" anchor="ctr" anchorCtr="0"/>
                     <a:lstStyle/>
                     <a:p>
                       <a:pPr marL="0" marR="0" lvl="0" indent="0" algn="l" defTabSz="914400" rtl="0" eaLnBrk="1" latinLnBrk="1" hangingPunct="1">
@@ -15332,7 +15302,7 @@
                       </a:endParaRPr>
                     </a:p>
                   </a:txBody>
-                  <a:tcPr anchor="ctr">
+                  <a:tcPr marL="91440" marR="91440" anchor="ctr">
                     <a:lnL w="3175" cap="flat" cmpd="sng" algn="ctr">
                       <a:solidFill>
                         <a:schemeClr val="bg1">
@@ -15382,7 +15352,7 @@
                 </a:tc>
                 <a:tc>
                   <a:txBody>
-                    <a:bodyPr/>
+                    <a:bodyPr vert="horz" lIns="91440" tIns="45720" rIns="91440" bIns="45720" anchor="ctr" anchorCtr="0"/>
                     <a:lstStyle/>
                     <a:p>
                       <a:pPr marL="0" marR="0" lvl="0" indent="0" algn="l" defTabSz="914400" rtl="0" eaLnBrk="1" latinLnBrk="1" hangingPunct="1">
@@ -15415,7 +15385,7 @@
                       </a:endParaRPr>
                     </a:p>
                   </a:txBody>
-                  <a:tcPr anchor="ctr">
+                  <a:tcPr marL="91440" marR="91440" anchor="ctr">
                     <a:lnL w="3175" cap="flat" cmpd="sng" algn="ctr">
                       <a:solidFill>
                         <a:schemeClr val="bg1">
@@ -15459,16 +15429,11 @@
                     </a:solidFill>
                   </a:tcPr>
                 </a:tc>
-                <a:extLst>
-                  <a:ext uri="{0D108BD9-81ED-4DB2-BD59-A6C34878D82A}">
-                    <a16:rowId xmlns:a16="http://schemas.microsoft.com/office/drawing/2014/main" val="10000"/>
-                  </a:ext>
-                </a:extLst>
               </a:tr>
               <a:tr h="321340">
                 <a:tc rowSpan="2">
                   <a:txBody>
-                    <a:bodyPr/>
+                    <a:bodyPr vert="horz" lIns="91440" tIns="45720" rIns="91440" bIns="45720" anchor="ctr" anchorCtr="0"/>
                     <a:lstStyle/>
                     <a:p>
                       <a:pPr lvl="0" algn="ctr" latinLnBrk="1">
@@ -15485,9 +15450,17 @@
                         </a:rPr>
                         <a:t>v1.0</a:t>
                       </a:r>
+                      <a:endParaRPr lang="en-US" altLang="ko-KR" sz="900">
+                        <a:solidFill>
+                          <a:schemeClr val="tx1"/>
+                        </a:solidFill>
+                        <a:latin typeface="+mn-ea"/>
+                        <a:ea typeface="+mn-ea"/>
+                        <a:cs typeface="+mn-cs"/>
+                      </a:endParaRPr>
                     </a:p>
                   </a:txBody>
-                  <a:tcPr anchor="ctr">
+                  <a:tcPr marL="91440" marR="91440" anchor="ctr">
                     <a:lnR w="3175" cap="flat" cmpd="sng" algn="ctr">
                       <a:solidFill>
                         <a:schemeClr val="bg1">
@@ -15526,7 +15499,7 @@
                 </a:tc>
                 <a:tc rowSpan="2">
                   <a:txBody>
-                    <a:bodyPr/>
+                    <a:bodyPr vert="horz" lIns="91440" tIns="45720" rIns="91440" bIns="45720" anchor="ctr" anchorCtr="0"/>
                     <a:lstStyle/>
                     <a:p>
                       <a:pPr lvl="0" algn="ctr" latinLnBrk="1">
@@ -15543,9 +15516,17 @@
                         </a:rPr>
                         <a:t>2023/03/14</a:t>
                       </a:r>
+                      <a:endParaRPr lang="en-US" altLang="ko-KR" sz="900">
+                        <a:solidFill>
+                          <a:schemeClr val="tx1"/>
+                        </a:solidFill>
+                        <a:latin typeface="+mn-ea"/>
+                        <a:ea typeface="+mn-ea"/>
+                        <a:cs typeface="+mn-cs"/>
+                      </a:endParaRPr>
                     </a:p>
                   </a:txBody>
-                  <a:tcPr anchor="ctr">
+                  <a:tcPr marL="91440" marR="91440" anchor="ctr">
                     <a:lnL w="3175" cap="flat" cmpd="sng" algn="ctr">
                       <a:solidFill>
                         <a:schemeClr val="bg1">
@@ -15595,7 +15576,7 @@
                 </a:tc>
                 <a:tc>
                   <a:txBody>
-                    <a:bodyPr/>
+                    <a:bodyPr vert="horz" lIns="91440" tIns="45720" rIns="91440" bIns="45720" anchor="ctr" anchorCtr="0"/>
                     <a:lstStyle/>
                     <a:p>
                       <a:pPr marL="0" lvl="0" indent="0" algn="l" latinLnBrk="1">
@@ -15659,9 +15640,14 @@
                         </a:rPr>
                         <a:t>후기내역</a:t>
                       </a:r>
+                      <a:endParaRPr lang="ko-KR" altLang="en-US" sz="900">
+                        <a:solidFill>
+                          <a:schemeClr val="tx1"/>
+                        </a:solidFill>
+                      </a:endParaRPr>
                     </a:p>
                   </a:txBody>
-                  <a:tcPr anchor="ctr">
+                  <a:tcPr marL="91440" marR="91440" anchor="ctr">
                     <a:lnL w="3175" cap="flat" cmpd="sng" algn="ctr">
                       <a:solidFill>
                         <a:schemeClr val="bg1">
@@ -15711,7 +15697,7 @@
                 </a:tc>
                 <a:tc>
                   <a:txBody>
-                    <a:bodyPr/>
+                    <a:bodyPr vert="horz" lIns="91440" tIns="45720" rIns="91440" bIns="45720" anchor="ctr" anchorCtr="0"/>
                     <a:lstStyle/>
                     <a:p>
                       <a:pPr lvl="0" algn="ctr" latinLnBrk="1">
@@ -15738,7 +15724,7 @@
                       </a:endParaRPr>
                     </a:p>
                   </a:txBody>
-                  <a:tcPr anchor="ctr">
+                  <a:tcPr marL="91440" marR="91440" anchor="ctr">
                     <a:lnL w="3175" cap="flat" cmpd="sng" algn="ctr">
                       <a:solidFill>
                         <a:schemeClr val="bg1">
@@ -15788,7 +15774,7 @@
                 </a:tc>
                 <a:tc>
                   <a:txBody>
-                    <a:bodyPr/>
+                    <a:bodyPr vert="horz" lIns="91440" tIns="45720" rIns="91440" bIns="45720" anchor="ctr" anchorCtr="0"/>
                     <a:lstStyle/>
                     <a:p>
                       <a:pPr lvl="0" algn="ctr" latinLnBrk="1">
@@ -15802,9 +15788,14 @@
                         </a:rPr>
                         <a:t>김은아</a:t>
                       </a:r>
+                      <a:endParaRPr lang="ko-KR" altLang="en-US" sz="900">
+                        <a:solidFill>
+                          <a:schemeClr val="tx1"/>
+                        </a:solidFill>
+                      </a:endParaRPr>
                     </a:p>
                   </a:txBody>
-                  <a:tcPr anchor="ctr">
+                  <a:tcPr marL="91440" marR="91440" anchor="ctr">
                     <a:lnL w="3175" cap="flat" cmpd="sng" algn="ctr">
                       <a:solidFill>
                         <a:schemeClr val="bg1">
@@ -15848,11 +15839,6 @@
                     <a:noFill/>
                   </a:tcPr>
                 </a:tc>
-                <a:extLst>
-                  <a:ext uri="{0D108BD9-81ED-4DB2-BD59-A6C34878D82A}">
-                    <a16:rowId xmlns:a16="http://schemas.microsoft.com/office/drawing/2014/main" val="10001"/>
-                  </a:ext>
-                </a:extLst>
               </a:tr>
               <a:tr h="321340">
                 <a:tc vMerge="1">
@@ -15866,7 +15852,7 @@
                       <a:endParaRPr lang="ko-KR" altLang="en-US"/>
                     </a:p>
                   </a:txBody>
-                  <a:tcPr anchor="ctr">
+                  <a:tcPr marL="91440" marR="91440" anchor="ctr">
                     <a:lnR w="3175" cap="flat" cmpd="sng" algn="ctr">
                       <a:solidFill>
                         <a:schemeClr val="bg1">
@@ -15914,7 +15900,7 @@
                       <a:endParaRPr lang="ko-KR" altLang="en-US"/>
                     </a:p>
                   </a:txBody>
-                  <a:tcPr anchor="ctr">
+                  <a:tcPr marL="91440" marR="91440" anchor="ctr">
                     <a:lnL w="3175" cap="flat" cmpd="sng" algn="ctr">
                       <a:solidFill>
                         <a:schemeClr val="bg1">
@@ -15964,7 +15950,7 @@
                 </a:tc>
                 <a:tc>
                   <a:txBody>
-                    <a:bodyPr/>
+                    <a:bodyPr vert="horz" lIns="91440" tIns="45720" rIns="91440" bIns="45720" anchor="ctr" anchorCtr="0"/>
                     <a:lstStyle/>
                     <a:p>
                       <a:pPr marL="0" lvl="0" indent="0" algn="l" latinLnBrk="1">
@@ -16028,9 +16014,14 @@
                         </a:rPr>
                         <a:t>문의내역</a:t>
                       </a:r>
+                      <a:endParaRPr lang="ko-KR" altLang="en-US" sz="900">
+                        <a:solidFill>
+                          <a:schemeClr val="tx1"/>
+                        </a:solidFill>
+                      </a:endParaRPr>
                     </a:p>
                   </a:txBody>
-                  <a:tcPr anchor="ctr">
+                  <a:tcPr marL="91440" marR="91440" anchor="ctr">
                     <a:lnL w="3175" cap="flat" cmpd="sng" algn="ctr">
                       <a:solidFill>
                         <a:schemeClr val="bg1">
@@ -16080,7 +16071,7 @@
                 </a:tc>
                 <a:tc>
                   <a:txBody>
-                    <a:bodyPr/>
+                    <a:bodyPr vert="horz" lIns="91440" tIns="45720" rIns="91440" bIns="45720" anchor="ctr" anchorCtr="0"/>
                     <a:lstStyle/>
                     <a:p>
                       <a:pPr lvl="0" algn="ctr" latinLnBrk="1">
@@ -16094,9 +16085,14 @@
                         </a:rPr>
                         <a:t>-</a:t>
                       </a:r>
+                      <a:endParaRPr lang="en-US" altLang="ko-KR" sz="900">
+                        <a:solidFill>
+                          <a:schemeClr val="tx1"/>
+                        </a:solidFill>
+                      </a:endParaRPr>
                     </a:p>
                   </a:txBody>
-                  <a:tcPr anchor="ctr">
+                  <a:tcPr marL="91440" marR="91440" anchor="ctr">
                     <a:lnL w="3175" cap="flat" cmpd="sng" algn="ctr">
                       <a:solidFill>
                         <a:schemeClr val="bg1">
@@ -16146,7 +16142,7 @@
                 </a:tc>
                 <a:tc>
                   <a:txBody>
-                    <a:bodyPr/>
+                    <a:bodyPr vert="horz" lIns="91440" tIns="45720" rIns="91440" bIns="45720" anchor="ctr" anchorCtr="0"/>
                     <a:lstStyle/>
                     <a:p>
                       <a:pPr lvl="0" algn="ctr" latinLnBrk="1">
@@ -16160,9 +16156,14 @@
                         </a:rPr>
                         <a:t>전웅배</a:t>
                       </a:r>
+                      <a:endParaRPr lang="ko-KR" altLang="en-US" sz="900">
+                        <a:solidFill>
+                          <a:schemeClr val="tx1"/>
+                        </a:solidFill>
+                      </a:endParaRPr>
                     </a:p>
                   </a:txBody>
-                  <a:tcPr anchor="ctr">
+                  <a:tcPr marL="91440" marR="91440" anchor="ctr">
                     <a:lnL w="3175" cap="flat" cmpd="sng" algn="ctr">
                       <a:solidFill>
                         <a:schemeClr val="bg1">
@@ -16206,16 +16207,346 @@
                     <a:noFill/>
                   </a:tcPr>
                 </a:tc>
-                <a:extLst>
-                  <a:ext uri="{0D108BD9-81ED-4DB2-BD59-A6C34878D82A}">
-                    <a16:rowId xmlns:a16="http://schemas.microsoft.com/office/drawing/2014/main" val="10002"/>
-                  </a:ext>
-                </a:extLst>
               </a:tr>
               <a:tr h="321340">
                 <a:tc>
                   <a:txBody>
-                    <a:bodyPr/>
+                    <a:bodyPr vert="horz" lIns="91440" tIns="45720" rIns="91440" bIns="45720" anchor="ctr" anchorCtr="0"/>
+                    <a:lstStyle/>
+                    <a:p>
+                      <a:pPr lvl="0" algn="ctr" latinLnBrk="1">
+                        <a:defRPr/>
+                      </a:pPr>
+                      <a:r>
+                        <a:rPr lang="en-US" altLang="ko-KR" sz="900">
+                          <a:solidFill>
+                            <a:schemeClr val="tx1"/>
+                          </a:solidFill>
+                          <a:latin typeface="+mn-ea"/>
+                          <a:ea typeface="+mn-ea"/>
+                          <a:cs typeface="+mn-cs"/>
+                        </a:rPr>
+                        <a:t>v1.1</a:t>
+                      </a:r>
+                      <a:endParaRPr lang="en-US" altLang="ko-KR" sz="900">
+                        <a:solidFill>
+                          <a:schemeClr val="tx1"/>
+                        </a:solidFill>
+                        <a:latin typeface="+mn-ea"/>
+                        <a:ea typeface="+mn-ea"/>
+                        <a:cs typeface="+mn-cs"/>
+                      </a:endParaRPr>
+                    </a:p>
+                  </a:txBody>
+                  <a:tcPr marL="91440" marR="91440" anchor="ctr">
+                    <a:lnR w="3175" cap="flat" cmpd="sng" algn="ctr">
+                      <a:solidFill>
+                        <a:schemeClr val="bg1">
+                          <a:lumMod val="75000"/>
+                        </a:schemeClr>
+                      </a:solidFill>
+                      <a:prstDash val="solid"/>
+                      <a:round/>
+                      <a:headEnd w="med" len="med"/>
+                      <a:tailEnd w="med" len="med"/>
+                    </a:lnR>
+                    <a:lnT w="3175" cap="flat" cmpd="sng" algn="ctr">
+                      <a:solidFill>
+                        <a:schemeClr val="bg1">
+                          <a:lumMod val="75000"/>
+                        </a:schemeClr>
+                      </a:solidFill>
+                      <a:prstDash val="solid"/>
+                      <a:round/>
+                      <a:headEnd w="med" len="med"/>
+                      <a:tailEnd w="med" len="med"/>
+                    </a:lnT>
+                    <a:lnB w="3175" cap="flat" cmpd="sng" algn="ctr">
+                      <a:solidFill>
+                        <a:schemeClr val="bg1">
+                          <a:lumMod val="75000"/>
+                        </a:schemeClr>
+                      </a:solidFill>
+                      <a:prstDash val="solid"/>
+                      <a:round/>
+                      <a:headEnd w="med" len="med"/>
+                      <a:tailEnd w="med" len="med"/>
+                    </a:lnB>
+                    <a:noFill/>
+                  </a:tcPr>
+                </a:tc>
+                <a:tc>
+                  <a:txBody>
+                    <a:bodyPr vert="horz" lIns="91440" tIns="45720" rIns="91440" bIns="45720" anchor="ctr" anchorCtr="0"/>
+                    <a:lstStyle/>
+                    <a:p>
+                      <a:pPr lvl="0" algn="ctr" latinLnBrk="1">
+                        <a:defRPr/>
+                      </a:pPr>
+                      <a:r>
+                        <a:rPr lang="en-US" altLang="ko-KR" sz="900">
+                          <a:solidFill>
+                            <a:schemeClr val="tx1"/>
+                          </a:solidFill>
+                          <a:latin typeface="+mn-ea"/>
+                          <a:ea typeface="+mn-ea"/>
+                          <a:cs typeface="+mn-cs"/>
+                        </a:rPr>
+                        <a:t>2023/04/05</a:t>
+                      </a:r>
+                      <a:endParaRPr lang="en-US" altLang="ko-KR" sz="900">
+                        <a:solidFill>
+                          <a:schemeClr val="tx1"/>
+                        </a:solidFill>
+                        <a:latin typeface="+mn-ea"/>
+                        <a:ea typeface="+mn-ea"/>
+                        <a:cs typeface="+mn-cs"/>
+                      </a:endParaRPr>
+                    </a:p>
+                  </a:txBody>
+                  <a:tcPr marL="91440" marR="91440" anchor="ctr">
+                    <a:lnL w="3175" cap="flat" cmpd="sng" algn="ctr">
+                      <a:solidFill>
+                        <a:schemeClr val="bg1">
+                          <a:lumMod val="75000"/>
+                        </a:schemeClr>
+                      </a:solidFill>
+                      <a:prstDash val="solid"/>
+                      <a:round/>
+                      <a:headEnd w="med" len="med"/>
+                      <a:tailEnd w="med" len="med"/>
+                    </a:lnL>
+                    <a:lnR w="3175" cap="flat" cmpd="sng" algn="ctr">
+                      <a:solidFill>
+                        <a:schemeClr val="bg1">
+                          <a:lumMod val="75000"/>
+                        </a:schemeClr>
+                      </a:solidFill>
+                      <a:prstDash val="solid"/>
+                      <a:round/>
+                      <a:headEnd w="med" len="med"/>
+                      <a:tailEnd w="med" len="med"/>
+                    </a:lnR>
+                    <a:lnT w="3175" cap="flat" cmpd="sng" algn="ctr">
+                      <a:solidFill>
+                        <a:schemeClr val="bg1">
+                          <a:lumMod val="75000"/>
+                        </a:schemeClr>
+                      </a:solidFill>
+                      <a:prstDash val="solid"/>
+                      <a:round/>
+                      <a:headEnd w="med" len="med"/>
+                      <a:tailEnd w="med" len="med"/>
+                    </a:lnT>
+                    <a:lnB w="3175" cap="flat" cmpd="sng" algn="ctr">
+                      <a:solidFill>
+                        <a:schemeClr val="bg1">
+                          <a:lumMod val="75000"/>
+                        </a:schemeClr>
+                      </a:solidFill>
+                      <a:prstDash val="solid"/>
+                      <a:round/>
+                      <a:headEnd w="med" len="med"/>
+                      <a:tailEnd w="med" len="med"/>
+                    </a:lnB>
+                    <a:noFill/>
+                  </a:tcPr>
+                </a:tc>
+                <a:tc>
+                  <a:txBody>
+                    <a:bodyPr vert="horz" lIns="91440" tIns="45720" rIns="91440" bIns="45720" anchor="ctr" anchorCtr="0"/>
+                    <a:lstStyle/>
+                    <a:p>
+                      <a:pPr marL="0" lvl="0" indent="0" latinLnBrk="1">
+                        <a:buFont typeface="Arial"/>
+                        <a:buNone/>
+                        <a:defRPr/>
+                      </a:pPr>
+                      <a:endParaRPr lang="ko-KR" altLang="en-US" sz="900">
+                        <a:solidFill>
+                          <a:schemeClr val="tx1"/>
+                        </a:solidFill>
+                        <a:latin typeface="+mn-ea"/>
+                        <a:ea typeface="+mn-ea"/>
+                        <a:cs typeface="+mn-cs"/>
+                      </a:endParaRPr>
+                    </a:p>
+                  </a:txBody>
+                  <a:tcPr marL="91440" marR="91440" anchor="ctr">
+                    <a:lnL w="3175" cap="flat" cmpd="sng" algn="ctr">
+                      <a:solidFill>
+                        <a:schemeClr val="bg1">
+                          <a:lumMod val="75000"/>
+                        </a:schemeClr>
+                      </a:solidFill>
+                      <a:prstDash val="solid"/>
+                      <a:round/>
+                      <a:headEnd w="med" len="med"/>
+                      <a:tailEnd w="med" len="med"/>
+                    </a:lnL>
+                    <a:lnR w="3175" cap="flat" cmpd="sng" algn="ctr">
+                      <a:solidFill>
+                        <a:schemeClr val="bg1">
+                          <a:lumMod val="75000"/>
+                        </a:schemeClr>
+                      </a:solidFill>
+                      <a:prstDash val="solid"/>
+                      <a:round/>
+                      <a:headEnd w="med" len="med"/>
+                      <a:tailEnd w="med" len="med"/>
+                    </a:lnR>
+                    <a:lnT w="3175" cap="flat" cmpd="sng" algn="ctr">
+                      <a:solidFill>
+                        <a:schemeClr val="bg1">
+                          <a:lumMod val="75000"/>
+                        </a:schemeClr>
+                      </a:solidFill>
+                      <a:prstDash val="solid"/>
+                      <a:round/>
+                      <a:headEnd w="med" len="med"/>
+                      <a:tailEnd w="med" len="med"/>
+                    </a:lnT>
+                    <a:lnB w="3175" cap="flat" cmpd="sng" algn="ctr">
+                      <a:solidFill>
+                        <a:schemeClr val="bg1">
+                          <a:lumMod val="75000"/>
+                        </a:schemeClr>
+                      </a:solidFill>
+                      <a:prstDash val="solid"/>
+                      <a:round/>
+                      <a:headEnd w="med" len="med"/>
+                      <a:tailEnd w="med" len="med"/>
+                    </a:lnB>
+                    <a:noFill/>
+                  </a:tcPr>
+                </a:tc>
+                <a:tc>
+                  <a:txBody>
+                    <a:bodyPr vert="horz" lIns="91440" tIns="45720" rIns="91440" bIns="45720" anchor="ctr" anchorCtr="0"/>
+                    <a:lstStyle/>
+                    <a:p>
+                      <a:pPr lvl="0" algn="ctr" latinLnBrk="1">
+                        <a:defRPr/>
+                      </a:pPr>
+                      <a:endParaRPr lang="ko-KR" altLang="en-US" sz="900">
+                        <a:solidFill>
+                          <a:schemeClr val="tx1"/>
+                        </a:solidFill>
+                      </a:endParaRPr>
+                    </a:p>
+                  </a:txBody>
+                  <a:tcPr marL="91440" marR="91440" anchor="ctr">
+                    <a:lnL w="3175" cap="flat" cmpd="sng" algn="ctr">
+                      <a:solidFill>
+                        <a:schemeClr val="bg1">
+                          <a:lumMod val="75000"/>
+                        </a:schemeClr>
+                      </a:solidFill>
+                      <a:prstDash val="solid"/>
+                      <a:round/>
+                      <a:headEnd w="med" len="med"/>
+                      <a:tailEnd w="med" len="med"/>
+                    </a:lnL>
+                    <a:lnR w="3175" cap="flat" cmpd="sng" algn="ctr">
+                      <a:solidFill>
+                        <a:schemeClr val="bg1">
+                          <a:lumMod val="75000"/>
+                        </a:schemeClr>
+                      </a:solidFill>
+                      <a:prstDash val="solid"/>
+                      <a:round/>
+                      <a:headEnd w="med" len="med"/>
+                      <a:tailEnd w="med" len="med"/>
+                    </a:lnR>
+                    <a:lnT w="3175" cap="flat" cmpd="sng" algn="ctr">
+                      <a:solidFill>
+                        <a:schemeClr val="bg1">
+                          <a:lumMod val="75000"/>
+                        </a:schemeClr>
+                      </a:solidFill>
+                      <a:prstDash val="solid"/>
+                      <a:round/>
+                      <a:headEnd w="med" len="med"/>
+                      <a:tailEnd w="med" len="med"/>
+                    </a:lnT>
+                    <a:lnB w="3175" cap="flat" cmpd="sng" algn="ctr">
+                      <a:solidFill>
+                        <a:schemeClr val="bg1">
+                          <a:lumMod val="75000"/>
+                        </a:schemeClr>
+                      </a:solidFill>
+                      <a:prstDash val="solid"/>
+                      <a:round/>
+                      <a:headEnd w="med" len="med"/>
+                      <a:tailEnd w="med" len="med"/>
+                    </a:lnB>
+                    <a:noFill/>
+                  </a:tcPr>
+                </a:tc>
+                <a:tc>
+                  <a:txBody>
+                    <a:bodyPr vert="horz" lIns="91440" tIns="45720" rIns="91440" bIns="45720" anchor="ctr" anchorCtr="0"/>
+                    <a:lstStyle/>
+                    <a:p>
+                      <a:pPr lvl="0" algn="ctr" latinLnBrk="1">
+                        <a:defRPr/>
+                      </a:pPr>
+                      <a:endParaRPr lang="ko-KR" altLang="en-US" sz="900">
+                        <a:solidFill>
+                          <a:schemeClr val="tx1"/>
+                        </a:solidFill>
+                      </a:endParaRPr>
+                    </a:p>
+                  </a:txBody>
+                  <a:tcPr marL="91440" marR="91440" anchor="ctr">
+                    <a:lnL w="3175" cap="flat" cmpd="sng" algn="ctr">
+                      <a:solidFill>
+                        <a:schemeClr val="bg1">
+                          <a:lumMod val="75000"/>
+                        </a:schemeClr>
+                      </a:solidFill>
+                      <a:prstDash val="solid"/>
+                      <a:round/>
+                      <a:headEnd w="med" len="med"/>
+                      <a:tailEnd w="med" len="med"/>
+                    </a:lnL>
+                    <a:lnR w="3175" cap="flat" cmpd="sng" algn="ctr">
+                      <a:noFill/>
+                      <a:prstDash val="solid"/>
+                      <a:round/>
+                      <a:headEnd w="med" len="med"/>
+                      <a:tailEnd w="med" len="med"/>
+                    </a:lnR>
+                    <a:lnT w="3175" cap="flat" cmpd="sng" algn="ctr">
+                      <a:solidFill>
+                        <a:schemeClr val="bg1">
+                          <a:lumMod val="75000"/>
+                        </a:schemeClr>
+                      </a:solidFill>
+                      <a:prstDash val="solid"/>
+                      <a:round/>
+                      <a:headEnd w="med" len="med"/>
+                      <a:tailEnd w="med" len="med"/>
+                    </a:lnT>
+                    <a:lnB w="3175" cap="flat" cmpd="sng" algn="ctr">
+                      <a:solidFill>
+                        <a:schemeClr val="bg1">
+                          <a:lumMod val="75000"/>
+                        </a:schemeClr>
+                      </a:solidFill>
+                      <a:prstDash val="solid"/>
+                      <a:round/>
+                      <a:headEnd w="med" len="med"/>
+                      <a:tailEnd w="med" len="med"/>
+                    </a:lnB>
+                    <a:noFill/>
+                  </a:tcPr>
+                </a:tc>
+              </a:tr>
+              <a:tr h="321340">
+                <a:tc>
+                  <a:txBody>
+                    <a:bodyPr vert="horz" lIns="91440" tIns="45720" rIns="91440" bIns="45720" anchor="ctr" anchorCtr="0"/>
                     <a:lstStyle/>
                     <a:p>
                       <a:pPr lvl="0" algn="ctr" latinLnBrk="1">
@@ -16231,7 +16562,7 @@
                       </a:endParaRPr>
                     </a:p>
                   </a:txBody>
-                  <a:tcPr anchor="ctr">
+                  <a:tcPr marL="91440" marR="91440" anchor="ctr">
                     <a:lnR w="3175" cap="flat" cmpd="sng" algn="ctr">
                       <a:solidFill>
                         <a:schemeClr val="bg1">
@@ -16270,7 +16601,7 @@
                 </a:tc>
                 <a:tc>
                   <a:txBody>
-                    <a:bodyPr/>
+                    <a:bodyPr vert="horz" lIns="91440" tIns="45720" rIns="91440" bIns="45720" anchor="ctr" anchorCtr="0"/>
                     <a:lstStyle/>
                     <a:p>
                       <a:pPr lvl="0" latinLnBrk="1">
@@ -16286,7 +16617,7 @@
                       </a:endParaRPr>
                     </a:p>
                   </a:txBody>
-                  <a:tcPr anchor="ctr">
+                  <a:tcPr marL="91440" marR="91440" anchor="ctr">
                     <a:lnL w="3175" cap="flat" cmpd="sng" algn="ctr">
                       <a:solidFill>
                         <a:schemeClr val="bg1">
@@ -16336,7 +16667,7 @@
                 </a:tc>
                 <a:tc>
                   <a:txBody>
-                    <a:bodyPr/>
+                    <a:bodyPr vert="horz" lIns="91440" tIns="45720" rIns="91440" bIns="45720" anchor="ctr" anchorCtr="0"/>
                     <a:lstStyle/>
                     <a:p>
                       <a:pPr marL="108000" lvl="0" indent="-108000" latinLnBrk="1">
@@ -16354,7 +16685,7 @@
                       </a:endParaRPr>
                     </a:p>
                   </a:txBody>
-                  <a:tcPr anchor="ctr">
+                  <a:tcPr marL="91440" marR="91440" anchor="ctr">
                     <a:lnL w="3175" cap="flat" cmpd="sng" algn="ctr">
                       <a:solidFill>
                         <a:schemeClr val="bg1">
@@ -16404,7 +16735,7 @@
                 </a:tc>
                 <a:tc>
                   <a:txBody>
-                    <a:bodyPr/>
+                    <a:bodyPr vert="horz" lIns="91440" tIns="45720" rIns="91440" bIns="45720" anchor="ctr" anchorCtr="0"/>
                     <a:lstStyle/>
                     <a:p>
                       <a:pPr lvl="0" algn="ctr" latinLnBrk="1">
@@ -16417,7 +16748,7 @@
                       </a:endParaRPr>
                     </a:p>
                   </a:txBody>
-                  <a:tcPr anchor="ctr">
+                  <a:tcPr marL="91440" marR="91440" anchor="ctr">
                     <a:lnL w="3175" cap="flat" cmpd="sng" algn="ctr">
                       <a:solidFill>
                         <a:schemeClr val="bg1">
@@ -16467,7 +16798,7 @@
                 </a:tc>
                 <a:tc>
                   <a:txBody>
-                    <a:bodyPr/>
+                    <a:bodyPr vert="horz" lIns="91440" tIns="45720" rIns="91440" bIns="45720" anchor="ctr" anchorCtr="0"/>
                     <a:lstStyle/>
                     <a:p>
                       <a:pPr lvl="0" algn="ctr" latinLnBrk="1">
@@ -16480,7 +16811,7 @@
                       </a:endParaRPr>
                     </a:p>
                   </a:txBody>
-                  <a:tcPr anchor="ctr">
+                  <a:tcPr marL="91440" marR="91440" anchor="ctr">
                     <a:lnL w="3175" cap="flat" cmpd="sng" algn="ctr">
                       <a:solidFill>
                         <a:schemeClr val="bg1">
@@ -16524,16 +16855,11 @@
                     <a:noFill/>
                   </a:tcPr>
                 </a:tc>
-                <a:extLst>
-                  <a:ext uri="{0D108BD9-81ED-4DB2-BD59-A6C34878D82A}">
-                    <a16:rowId xmlns:a16="http://schemas.microsoft.com/office/drawing/2014/main" val="10003"/>
-                  </a:ext>
-                </a:extLst>
               </a:tr>
               <a:tr h="321340">
                 <a:tc>
                   <a:txBody>
-                    <a:bodyPr/>
+                    <a:bodyPr vert="horz" lIns="91440" tIns="45720" rIns="91440" bIns="45720" anchor="ctr" anchorCtr="0"/>
                     <a:lstStyle/>
                     <a:p>
                       <a:pPr lvl="0" algn="ctr" latinLnBrk="1">
@@ -16549,7 +16875,7 @@
                       </a:endParaRPr>
                     </a:p>
                   </a:txBody>
-                  <a:tcPr anchor="ctr">
+                  <a:tcPr marL="91440" marR="91440" anchor="ctr">
                     <a:lnR w="3175" cap="flat" cmpd="sng" algn="ctr">
                       <a:solidFill>
                         <a:schemeClr val="bg1">
@@ -16588,7 +16914,7 @@
                 </a:tc>
                 <a:tc>
                   <a:txBody>
-                    <a:bodyPr/>
+                    <a:bodyPr vert="horz" lIns="91440" tIns="45720" rIns="91440" bIns="45720" anchor="ctr" anchorCtr="0"/>
                     <a:lstStyle/>
                     <a:p>
                       <a:pPr lvl="0" latinLnBrk="1">
@@ -16604,7 +16930,7 @@
                       </a:endParaRPr>
                     </a:p>
                   </a:txBody>
-                  <a:tcPr anchor="ctr">
+                  <a:tcPr marL="91440" marR="91440" anchor="ctr">
                     <a:lnL w="3175" cap="flat" cmpd="sng" algn="ctr">
                       <a:solidFill>
                         <a:schemeClr val="bg1">
@@ -16654,7 +16980,7 @@
                 </a:tc>
                 <a:tc>
                   <a:txBody>
-                    <a:bodyPr/>
+                    <a:bodyPr vert="horz" lIns="91440" tIns="45720" rIns="91440" bIns="45720" anchor="ctr" anchorCtr="0"/>
                     <a:lstStyle/>
                     <a:p>
                       <a:pPr marL="108000" lvl="0" indent="-108000" latinLnBrk="1">
@@ -16672,7 +16998,7 @@
                       </a:endParaRPr>
                     </a:p>
                   </a:txBody>
-                  <a:tcPr anchor="ctr">
+                  <a:tcPr marL="91440" marR="91440" anchor="ctr">
                     <a:lnL w="3175" cap="flat" cmpd="sng" algn="ctr">
                       <a:solidFill>
                         <a:schemeClr val="bg1">
@@ -16722,7 +17048,7 @@
                 </a:tc>
                 <a:tc>
                   <a:txBody>
-                    <a:bodyPr/>
+                    <a:bodyPr vert="horz" lIns="91440" tIns="45720" rIns="91440" bIns="45720" anchor="ctr" anchorCtr="0"/>
                     <a:lstStyle/>
                     <a:p>
                       <a:pPr lvl="0" algn="ctr" latinLnBrk="1">
@@ -16735,7 +17061,7 @@
                       </a:endParaRPr>
                     </a:p>
                   </a:txBody>
-                  <a:tcPr anchor="ctr">
+                  <a:tcPr marL="91440" marR="91440" anchor="ctr">
                     <a:lnL w="3175" cap="flat" cmpd="sng" algn="ctr">
                       <a:solidFill>
                         <a:schemeClr val="bg1">
@@ -16785,7 +17111,7 @@
                 </a:tc>
                 <a:tc>
                   <a:txBody>
-                    <a:bodyPr/>
+                    <a:bodyPr vert="horz" lIns="91440" tIns="45720" rIns="91440" bIns="45720" anchor="ctr" anchorCtr="0"/>
                     <a:lstStyle/>
                     <a:p>
                       <a:pPr lvl="0" algn="ctr" latinLnBrk="1">
@@ -16798,7 +17124,7 @@
                       </a:endParaRPr>
                     </a:p>
                   </a:txBody>
-                  <a:tcPr anchor="ctr">
+                  <a:tcPr marL="91440" marR="91440" anchor="ctr">
                     <a:lnL w="3175" cap="flat" cmpd="sng" algn="ctr">
                       <a:solidFill>
                         <a:schemeClr val="bg1">
@@ -16842,16 +17168,11 @@
                     <a:noFill/>
                   </a:tcPr>
                 </a:tc>
-                <a:extLst>
-                  <a:ext uri="{0D108BD9-81ED-4DB2-BD59-A6C34878D82A}">
-                    <a16:rowId xmlns:a16="http://schemas.microsoft.com/office/drawing/2014/main" val="10004"/>
-                  </a:ext>
-                </a:extLst>
               </a:tr>
               <a:tr h="321340">
                 <a:tc>
                   <a:txBody>
-                    <a:bodyPr/>
+                    <a:bodyPr vert="horz" lIns="91440" tIns="45720" rIns="91440" bIns="45720" anchor="ctr" anchorCtr="0"/>
                     <a:lstStyle/>
                     <a:p>
                       <a:pPr lvl="0" algn="ctr" latinLnBrk="1">
@@ -16867,7 +17188,7 @@
                       </a:endParaRPr>
                     </a:p>
                   </a:txBody>
-                  <a:tcPr anchor="ctr">
+                  <a:tcPr marL="91440" marR="91440" anchor="ctr">
                     <a:lnR w="3175" cap="flat" cmpd="sng" algn="ctr">
                       <a:solidFill>
                         <a:schemeClr val="bg1">
@@ -16906,7 +17227,7 @@
                 </a:tc>
                 <a:tc>
                   <a:txBody>
-                    <a:bodyPr/>
+                    <a:bodyPr vert="horz" lIns="91440" tIns="45720" rIns="91440" bIns="45720" anchor="ctr" anchorCtr="0"/>
                     <a:lstStyle/>
                     <a:p>
                       <a:pPr lvl="0" latinLnBrk="1">
@@ -16922,7 +17243,7 @@
                       </a:endParaRPr>
                     </a:p>
                   </a:txBody>
-                  <a:tcPr anchor="ctr">
+                  <a:tcPr marL="91440" marR="91440" anchor="ctr">
                     <a:lnL w="3175" cap="flat" cmpd="sng" algn="ctr">
                       <a:solidFill>
                         <a:schemeClr val="bg1">
@@ -16972,7 +17293,7 @@
                 </a:tc>
                 <a:tc>
                   <a:txBody>
-                    <a:bodyPr/>
+                    <a:bodyPr vert="horz" lIns="91440" tIns="45720" rIns="91440" bIns="45720" anchor="ctr" anchorCtr="0"/>
                     <a:lstStyle/>
                     <a:p>
                       <a:pPr marL="108000" lvl="0" indent="-108000" latinLnBrk="1">
@@ -16990,7 +17311,7 @@
                       </a:endParaRPr>
                     </a:p>
                   </a:txBody>
-                  <a:tcPr anchor="ctr">
+                  <a:tcPr marL="91440" marR="91440" anchor="ctr">
                     <a:lnL w="3175" cap="flat" cmpd="sng" algn="ctr">
                       <a:solidFill>
                         <a:schemeClr val="bg1">
@@ -17040,7 +17361,7 @@
                 </a:tc>
                 <a:tc>
                   <a:txBody>
-                    <a:bodyPr/>
+                    <a:bodyPr vert="horz" lIns="91440" tIns="45720" rIns="91440" bIns="45720" anchor="ctr" anchorCtr="0"/>
                     <a:lstStyle/>
                     <a:p>
                       <a:pPr lvl="0" algn="ctr" latinLnBrk="1">
@@ -17053,7 +17374,7 @@
                       </a:endParaRPr>
                     </a:p>
                   </a:txBody>
-                  <a:tcPr anchor="ctr">
+                  <a:tcPr marL="91440" marR="91440" anchor="ctr">
                     <a:lnL w="3175" cap="flat" cmpd="sng" algn="ctr">
                       <a:solidFill>
                         <a:schemeClr val="bg1">
@@ -17103,7 +17424,7 @@
                 </a:tc>
                 <a:tc>
                   <a:txBody>
-                    <a:bodyPr/>
+                    <a:bodyPr vert="horz" lIns="91440" tIns="45720" rIns="91440" bIns="45720" anchor="ctr" anchorCtr="0"/>
                     <a:lstStyle/>
                     <a:p>
                       <a:pPr lvl="0" algn="ctr" latinLnBrk="1">
@@ -17116,7 +17437,7 @@
                       </a:endParaRPr>
                     </a:p>
                   </a:txBody>
-                  <a:tcPr anchor="ctr">
+                  <a:tcPr marL="91440" marR="91440" anchor="ctr">
                     <a:lnL w="3175" cap="flat" cmpd="sng" algn="ctr">
                       <a:solidFill>
                         <a:schemeClr val="bg1">
@@ -17160,16 +17481,11 @@
                     <a:noFill/>
                   </a:tcPr>
                 </a:tc>
-                <a:extLst>
-                  <a:ext uri="{0D108BD9-81ED-4DB2-BD59-A6C34878D82A}">
-                    <a16:rowId xmlns:a16="http://schemas.microsoft.com/office/drawing/2014/main" val="10005"/>
-                  </a:ext>
-                </a:extLst>
               </a:tr>
               <a:tr h="321340">
                 <a:tc>
                   <a:txBody>
-                    <a:bodyPr/>
+                    <a:bodyPr vert="horz" lIns="91440" tIns="45720" rIns="91440" bIns="45720" anchor="ctr" anchorCtr="0"/>
                     <a:lstStyle/>
                     <a:p>
                       <a:pPr lvl="0" algn="ctr" latinLnBrk="1">
@@ -17185,7 +17501,7 @@
                       </a:endParaRPr>
                     </a:p>
                   </a:txBody>
-                  <a:tcPr anchor="ctr">
+                  <a:tcPr marL="91440" marR="91440" anchor="ctr">
                     <a:lnR w="3175" cap="flat" cmpd="sng" algn="ctr">
                       <a:solidFill>
                         <a:schemeClr val="bg1">
@@ -17224,7 +17540,7 @@
                 </a:tc>
                 <a:tc>
                   <a:txBody>
-                    <a:bodyPr/>
+                    <a:bodyPr vert="horz" lIns="91440" tIns="45720" rIns="91440" bIns="45720" anchor="ctr" anchorCtr="0"/>
                     <a:lstStyle/>
                     <a:p>
                       <a:pPr lvl="0" latinLnBrk="1">
@@ -17240,7 +17556,7 @@
                       </a:endParaRPr>
                     </a:p>
                   </a:txBody>
-                  <a:tcPr anchor="ctr">
+                  <a:tcPr marL="91440" marR="91440" anchor="ctr">
                     <a:lnL w="3175" cap="flat" cmpd="sng" algn="ctr">
                       <a:solidFill>
                         <a:schemeClr val="bg1">
@@ -17290,7 +17606,7 @@
                 </a:tc>
                 <a:tc>
                   <a:txBody>
-                    <a:bodyPr/>
+                    <a:bodyPr vert="horz" lIns="91440" tIns="45720" rIns="91440" bIns="45720" anchor="ctr" anchorCtr="0"/>
                     <a:lstStyle/>
                     <a:p>
                       <a:pPr marL="108000" lvl="0" indent="-108000" latinLnBrk="1">
@@ -17308,7 +17624,7 @@
                       </a:endParaRPr>
                     </a:p>
                   </a:txBody>
-                  <a:tcPr anchor="ctr">
+                  <a:tcPr marL="91440" marR="91440" anchor="ctr">
                     <a:lnL w="3175" cap="flat" cmpd="sng" algn="ctr">
                       <a:solidFill>
                         <a:schemeClr val="bg1">
@@ -17358,7 +17674,7 @@
                 </a:tc>
                 <a:tc>
                   <a:txBody>
-                    <a:bodyPr/>
+                    <a:bodyPr vert="horz" lIns="91440" tIns="45720" rIns="91440" bIns="45720" anchor="ctr" anchorCtr="0"/>
                     <a:lstStyle/>
                     <a:p>
                       <a:pPr lvl="0" algn="ctr" latinLnBrk="1">
@@ -17371,7 +17687,7 @@
                       </a:endParaRPr>
                     </a:p>
                   </a:txBody>
-                  <a:tcPr anchor="ctr">
+                  <a:tcPr marL="91440" marR="91440" anchor="ctr">
                     <a:lnL w="3175" cap="flat" cmpd="sng" algn="ctr">
                       <a:solidFill>
                         <a:schemeClr val="bg1">
@@ -17421,7 +17737,7 @@
                 </a:tc>
                 <a:tc>
                   <a:txBody>
-                    <a:bodyPr/>
+                    <a:bodyPr vert="horz" lIns="91440" tIns="45720" rIns="91440" bIns="45720" anchor="ctr" anchorCtr="0"/>
                     <a:lstStyle/>
                     <a:p>
                       <a:pPr lvl="0" algn="ctr" latinLnBrk="1">
@@ -17434,7 +17750,7 @@
                       </a:endParaRPr>
                     </a:p>
                   </a:txBody>
-                  <a:tcPr anchor="ctr">
+                  <a:tcPr marL="91440" marR="91440" anchor="ctr">
                     <a:lnL w="3175" cap="flat" cmpd="sng" algn="ctr">
                       <a:solidFill>
                         <a:schemeClr val="bg1">
@@ -17478,16 +17794,11 @@
                     <a:noFill/>
                   </a:tcPr>
                 </a:tc>
-                <a:extLst>
-                  <a:ext uri="{0D108BD9-81ED-4DB2-BD59-A6C34878D82A}">
-                    <a16:rowId xmlns:a16="http://schemas.microsoft.com/office/drawing/2014/main" val="10006"/>
-                  </a:ext>
-                </a:extLst>
               </a:tr>
               <a:tr h="321340">
                 <a:tc>
                   <a:txBody>
-                    <a:bodyPr/>
+                    <a:bodyPr vert="horz" lIns="91440" tIns="45720" rIns="91440" bIns="45720" anchor="ctr" anchorCtr="0"/>
                     <a:lstStyle/>
                     <a:p>
                       <a:pPr lvl="0" algn="ctr" latinLnBrk="1">
@@ -17503,7 +17814,7 @@
                       </a:endParaRPr>
                     </a:p>
                   </a:txBody>
-                  <a:tcPr anchor="ctr">
+                  <a:tcPr marL="91440" marR="91440" anchor="ctr">
                     <a:lnR w="3175" cap="flat" cmpd="sng" algn="ctr">
                       <a:solidFill>
                         <a:schemeClr val="bg1">
@@ -17526,23 +17837,12 @@
                       <a:headEnd w="med" len="med"/>
                       <a:tailEnd w="med" len="med"/>
                     </a:lnT>
-                    <a:lnB w="3175" cap="flat" cmpd="sng" algn="ctr">
-                      <a:solidFill>
-                        <a:schemeClr val="bg1">
-                          <a:lumMod val="75000"/>
-                        </a:schemeClr>
-                      </a:solidFill>
-                      <a:prstDash val="solid"/>
-                      <a:round/>
-                      <a:headEnd w="med" len="med"/>
-                      <a:tailEnd w="med" len="med"/>
-                    </a:lnB>
                     <a:noFill/>
                   </a:tcPr>
                 </a:tc>
                 <a:tc>
                   <a:txBody>
-                    <a:bodyPr/>
+                    <a:bodyPr vert="horz" lIns="91440" tIns="45720" rIns="91440" bIns="45720" anchor="ctr" anchorCtr="0"/>
                     <a:lstStyle/>
                     <a:p>
                       <a:pPr lvl="0" latinLnBrk="1">
@@ -17558,7 +17858,7 @@
                       </a:endParaRPr>
                     </a:p>
                   </a:txBody>
-                  <a:tcPr anchor="ctr">
+                  <a:tcPr marL="91440" marR="91440" anchor="ctr">
                     <a:lnL w="3175" cap="flat" cmpd="sng" algn="ctr">
                       <a:solidFill>
                         <a:schemeClr val="bg1">
@@ -17592,23 +17892,12 @@
                       <a:headEnd w="med" len="med"/>
                       <a:tailEnd w="med" len="med"/>
                     </a:lnT>
-                    <a:lnB w="3175" cap="flat" cmpd="sng" algn="ctr">
-                      <a:solidFill>
-                        <a:schemeClr val="bg1">
-                          <a:lumMod val="75000"/>
-                        </a:schemeClr>
-                      </a:solidFill>
-                      <a:prstDash val="solid"/>
-                      <a:round/>
-                      <a:headEnd w="med" len="med"/>
-                      <a:tailEnd w="med" len="med"/>
-                    </a:lnB>
                     <a:noFill/>
                   </a:tcPr>
                 </a:tc>
                 <a:tc>
                   <a:txBody>
-                    <a:bodyPr/>
+                    <a:bodyPr vert="horz" lIns="91440" tIns="45720" rIns="91440" bIns="45720" anchor="ctr" anchorCtr="0"/>
                     <a:lstStyle/>
                     <a:p>
                       <a:pPr marL="108000" lvl="0" indent="-108000" latinLnBrk="1">
@@ -17626,7 +17915,7 @@
                       </a:endParaRPr>
                     </a:p>
                   </a:txBody>
-                  <a:tcPr anchor="ctr">
+                  <a:tcPr marL="91440" marR="91440" anchor="ctr">
                     <a:lnL w="3175" cap="flat" cmpd="sng" algn="ctr">
                       <a:solidFill>
                         <a:schemeClr val="bg1">
@@ -17660,23 +17949,12 @@
                       <a:headEnd w="med" len="med"/>
                       <a:tailEnd w="med" len="med"/>
                     </a:lnT>
-                    <a:lnB w="3175" cap="flat" cmpd="sng" algn="ctr">
-                      <a:solidFill>
-                        <a:schemeClr val="bg1">
-                          <a:lumMod val="75000"/>
-                        </a:schemeClr>
-                      </a:solidFill>
-                      <a:prstDash val="solid"/>
-                      <a:round/>
-                      <a:headEnd w="med" len="med"/>
-                      <a:tailEnd w="med" len="med"/>
-                    </a:lnB>
                     <a:noFill/>
                   </a:tcPr>
                 </a:tc>
                 <a:tc>
                   <a:txBody>
-                    <a:bodyPr/>
+                    <a:bodyPr vert="horz" lIns="91440" tIns="45720" rIns="91440" bIns="45720" anchor="ctr" anchorCtr="0"/>
                     <a:lstStyle/>
                     <a:p>
                       <a:pPr lvl="0" algn="ctr" latinLnBrk="1">
@@ -17689,7 +17967,7 @@
                       </a:endParaRPr>
                     </a:p>
                   </a:txBody>
-                  <a:tcPr anchor="ctr">
+                  <a:tcPr marL="91440" marR="91440" anchor="ctr">
                     <a:lnL w="3175" cap="flat" cmpd="sng" algn="ctr">
                       <a:solidFill>
                         <a:schemeClr val="bg1">
@@ -17723,23 +18001,12 @@
                       <a:headEnd w="med" len="med"/>
                       <a:tailEnd w="med" len="med"/>
                     </a:lnT>
-                    <a:lnB w="3175" cap="flat" cmpd="sng" algn="ctr">
-                      <a:solidFill>
-                        <a:schemeClr val="bg1">
-                          <a:lumMod val="75000"/>
-                        </a:schemeClr>
-                      </a:solidFill>
-                      <a:prstDash val="solid"/>
-                      <a:round/>
-                      <a:headEnd w="med" len="med"/>
-                      <a:tailEnd w="med" len="med"/>
-                    </a:lnB>
                     <a:noFill/>
                   </a:tcPr>
                 </a:tc>
                 <a:tc>
                   <a:txBody>
-                    <a:bodyPr/>
+                    <a:bodyPr vert="horz" lIns="91440" tIns="45720" rIns="91440" bIns="45720" anchor="ctr" anchorCtr="0"/>
                     <a:lstStyle/>
                     <a:p>
                       <a:pPr lvl="0" algn="ctr" latinLnBrk="1">
@@ -17752,7 +18019,7 @@
                       </a:endParaRPr>
                     </a:p>
                   </a:txBody>
-                  <a:tcPr anchor="ctr">
+                  <a:tcPr marL="91440" marR="91440" anchor="ctr">
                     <a:lnL w="3175" cap="flat" cmpd="sng" algn="ctr">
                       <a:solidFill>
                         <a:schemeClr val="bg1">
@@ -17766,68 +18033,6 @@
                     </a:lnL>
                     <a:lnR w="3175" cap="flat" cmpd="sng" algn="ctr">
                       <a:noFill/>
-                      <a:prstDash val="solid"/>
-                      <a:round/>
-                      <a:headEnd w="med" len="med"/>
-                      <a:tailEnd w="med" len="med"/>
-                    </a:lnR>
-                    <a:lnT w="3175" cap="flat" cmpd="sng" algn="ctr">
-                      <a:solidFill>
-                        <a:schemeClr val="bg1">
-                          <a:lumMod val="75000"/>
-                        </a:schemeClr>
-                      </a:solidFill>
-                      <a:prstDash val="solid"/>
-                      <a:round/>
-                      <a:headEnd w="med" len="med"/>
-                      <a:tailEnd w="med" len="med"/>
-                    </a:lnT>
-                    <a:lnB w="3175" cap="flat" cmpd="sng" algn="ctr">
-                      <a:solidFill>
-                        <a:schemeClr val="bg1">
-                          <a:lumMod val="75000"/>
-                        </a:schemeClr>
-                      </a:solidFill>
-                      <a:prstDash val="solid"/>
-                      <a:round/>
-                      <a:headEnd w="med" len="med"/>
-                      <a:tailEnd w="med" len="med"/>
-                    </a:lnB>
-                    <a:noFill/>
-                  </a:tcPr>
-                </a:tc>
-                <a:extLst>
-                  <a:ext uri="{0D108BD9-81ED-4DB2-BD59-A6C34878D82A}">
-                    <a16:rowId xmlns:a16="http://schemas.microsoft.com/office/drawing/2014/main" val="10007"/>
-                  </a:ext>
-                </a:extLst>
-              </a:tr>
-              <a:tr h="321340">
-                <a:tc>
-                  <a:txBody>
-                    <a:bodyPr/>
-                    <a:lstStyle/>
-                    <a:p>
-                      <a:pPr lvl="0" algn="ctr" latinLnBrk="1">
-                        <a:defRPr/>
-                      </a:pPr>
-                      <a:endParaRPr lang="ko-KR" altLang="en-US" sz="900">
-                        <a:solidFill>
-                          <a:schemeClr val="tx1"/>
-                        </a:solidFill>
-                        <a:latin typeface="+mn-ea"/>
-                        <a:ea typeface="+mn-ea"/>
-                        <a:cs typeface="+mn-cs"/>
-                      </a:endParaRPr>
-                    </a:p>
-                  </a:txBody>
-                  <a:tcPr anchor="ctr">
-                    <a:lnR w="3175" cap="flat" cmpd="sng" algn="ctr">
-                      <a:solidFill>
-                        <a:schemeClr val="bg1">
-                          <a:lumMod val="75000"/>
-                        </a:schemeClr>
-                      </a:solidFill>
                       <a:prstDash val="solid"/>
                       <a:round/>
                       <a:headEnd w="med" len="med"/>
@@ -17847,223 +18052,6 @@
                     <a:noFill/>
                   </a:tcPr>
                 </a:tc>
-                <a:tc>
-                  <a:txBody>
-                    <a:bodyPr/>
-                    <a:lstStyle/>
-                    <a:p>
-                      <a:pPr lvl="0" latinLnBrk="1">
-                        <a:defRPr/>
-                      </a:pPr>
-                      <a:endParaRPr lang="ko-KR" altLang="en-US" sz="900">
-                        <a:solidFill>
-                          <a:schemeClr val="tx1"/>
-                        </a:solidFill>
-                        <a:latin typeface="+mn-ea"/>
-                        <a:ea typeface="+mn-ea"/>
-                        <a:cs typeface="+mn-cs"/>
-                      </a:endParaRPr>
-                    </a:p>
-                  </a:txBody>
-                  <a:tcPr anchor="ctr">
-                    <a:lnL w="3175" cap="flat" cmpd="sng" algn="ctr">
-                      <a:solidFill>
-                        <a:schemeClr val="bg1">
-                          <a:lumMod val="75000"/>
-                        </a:schemeClr>
-                      </a:solidFill>
-                      <a:prstDash val="solid"/>
-                      <a:round/>
-                      <a:headEnd w="med" len="med"/>
-                      <a:tailEnd w="med" len="med"/>
-                    </a:lnL>
-                    <a:lnR w="3175" cap="flat" cmpd="sng" algn="ctr">
-                      <a:solidFill>
-                        <a:schemeClr val="bg1">
-                          <a:lumMod val="75000"/>
-                        </a:schemeClr>
-                      </a:solidFill>
-                      <a:prstDash val="solid"/>
-                      <a:round/>
-                      <a:headEnd w="med" len="med"/>
-                      <a:tailEnd w="med" len="med"/>
-                    </a:lnR>
-                    <a:lnT w="3175" cap="flat" cmpd="sng" algn="ctr">
-                      <a:solidFill>
-                        <a:schemeClr val="bg1">
-                          <a:lumMod val="75000"/>
-                        </a:schemeClr>
-                      </a:solidFill>
-                      <a:prstDash val="solid"/>
-                      <a:round/>
-                      <a:headEnd w="med" len="med"/>
-                      <a:tailEnd w="med" len="med"/>
-                    </a:lnT>
-                    <a:noFill/>
-                  </a:tcPr>
-                </a:tc>
-                <a:tc>
-                  <a:txBody>
-                    <a:bodyPr/>
-                    <a:lstStyle/>
-                    <a:p>
-                      <a:pPr marL="108000" lvl="0" indent="-108000" latinLnBrk="1">
-                        <a:buFont typeface="Arial"/>
-                        <a:buChar char="•"/>
-                        <a:defRPr/>
-                      </a:pPr>
-                      <a:endParaRPr lang="ko-KR" altLang="en-US" sz="900">
-                        <a:solidFill>
-                          <a:schemeClr val="tx1"/>
-                        </a:solidFill>
-                        <a:latin typeface="+mn-ea"/>
-                        <a:ea typeface="+mn-ea"/>
-                        <a:cs typeface="+mn-cs"/>
-                      </a:endParaRPr>
-                    </a:p>
-                  </a:txBody>
-                  <a:tcPr anchor="ctr">
-                    <a:lnL w="3175" cap="flat" cmpd="sng" algn="ctr">
-                      <a:solidFill>
-                        <a:schemeClr val="bg1">
-                          <a:lumMod val="75000"/>
-                        </a:schemeClr>
-                      </a:solidFill>
-                      <a:prstDash val="solid"/>
-                      <a:round/>
-                      <a:headEnd w="med" len="med"/>
-                      <a:tailEnd w="med" len="med"/>
-                    </a:lnL>
-                    <a:lnR w="3175" cap="flat" cmpd="sng" algn="ctr">
-                      <a:solidFill>
-                        <a:schemeClr val="bg1">
-                          <a:lumMod val="75000"/>
-                        </a:schemeClr>
-                      </a:solidFill>
-                      <a:prstDash val="solid"/>
-                      <a:round/>
-                      <a:headEnd w="med" len="med"/>
-                      <a:tailEnd w="med" len="med"/>
-                    </a:lnR>
-                    <a:lnT w="3175" cap="flat" cmpd="sng" algn="ctr">
-                      <a:solidFill>
-                        <a:schemeClr val="bg1">
-                          <a:lumMod val="75000"/>
-                        </a:schemeClr>
-                      </a:solidFill>
-                      <a:prstDash val="solid"/>
-                      <a:round/>
-                      <a:headEnd w="med" len="med"/>
-                      <a:tailEnd w="med" len="med"/>
-                    </a:lnT>
-                    <a:noFill/>
-                  </a:tcPr>
-                </a:tc>
-                <a:tc>
-                  <a:txBody>
-                    <a:bodyPr/>
-                    <a:lstStyle/>
-                    <a:p>
-                      <a:pPr lvl="0" algn="ctr" latinLnBrk="1">
-                        <a:defRPr/>
-                      </a:pPr>
-                      <a:endParaRPr lang="ko-KR" altLang="en-US" sz="900">
-                        <a:solidFill>
-                          <a:schemeClr val="tx1"/>
-                        </a:solidFill>
-                      </a:endParaRPr>
-                    </a:p>
-                  </a:txBody>
-                  <a:tcPr anchor="ctr">
-                    <a:lnL w="3175" cap="flat" cmpd="sng" algn="ctr">
-                      <a:solidFill>
-                        <a:schemeClr val="bg1">
-                          <a:lumMod val="75000"/>
-                        </a:schemeClr>
-                      </a:solidFill>
-                      <a:prstDash val="solid"/>
-                      <a:round/>
-                      <a:headEnd w="med" len="med"/>
-                      <a:tailEnd w="med" len="med"/>
-                    </a:lnL>
-                    <a:lnR w="3175" cap="flat" cmpd="sng" algn="ctr">
-                      <a:solidFill>
-                        <a:schemeClr val="bg1">
-                          <a:lumMod val="75000"/>
-                        </a:schemeClr>
-                      </a:solidFill>
-                      <a:prstDash val="solid"/>
-                      <a:round/>
-                      <a:headEnd w="med" len="med"/>
-                      <a:tailEnd w="med" len="med"/>
-                    </a:lnR>
-                    <a:lnT w="3175" cap="flat" cmpd="sng" algn="ctr">
-                      <a:solidFill>
-                        <a:schemeClr val="bg1">
-                          <a:lumMod val="75000"/>
-                        </a:schemeClr>
-                      </a:solidFill>
-                      <a:prstDash val="solid"/>
-                      <a:round/>
-                      <a:headEnd w="med" len="med"/>
-                      <a:tailEnd w="med" len="med"/>
-                    </a:lnT>
-                    <a:noFill/>
-                  </a:tcPr>
-                </a:tc>
-                <a:tc>
-                  <a:txBody>
-                    <a:bodyPr/>
-                    <a:lstStyle/>
-                    <a:p>
-                      <a:pPr lvl="0" algn="ctr" latinLnBrk="1">
-                        <a:defRPr/>
-                      </a:pPr>
-                      <a:endParaRPr lang="ko-KR" altLang="en-US" sz="900">
-                        <a:solidFill>
-                          <a:schemeClr val="tx1"/>
-                        </a:solidFill>
-                      </a:endParaRPr>
-                    </a:p>
-                  </a:txBody>
-                  <a:tcPr anchor="ctr">
-                    <a:lnL w="3175" cap="flat" cmpd="sng" algn="ctr">
-                      <a:solidFill>
-                        <a:schemeClr val="bg1">
-                          <a:lumMod val="75000"/>
-                        </a:schemeClr>
-                      </a:solidFill>
-                      <a:prstDash val="solid"/>
-                      <a:round/>
-                      <a:headEnd w="med" len="med"/>
-                      <a:tailEnd w="med" len="med"/>
-                    </a:lnL>
-                    <a:lnR w="3175" cap="flat" cmpd="sng" algn="ctr">
-                      <a:noFill/>
-                      <a:prstDash val="solid"/>
-                      <a:round/>
-                      <a:headEnd w="med" len="med"/>
-                      <a:tailEnd w="med" len="med"/>
-                    </a:lnR>
-                    <a:lnT w="3175" cap="flat" cmpd="sng" algn="ctr">
-                      <a:solidFill>
-                        <a:schemeClr val="bg1">
-                          <a:lumMod val="75000"/>
-                        </a:schemeClr>
-                      </a:solidFill>
-                      <a:prstDash val="solid"/>
-                      <a:round/>
-                      <a:headEnd w="med" len="med"/>
-                      <a:tailEnd w="med" len="med"/>
-                    </a:lnT>
-                    <a:noFill/>
-                  </a:tcPr>
-                </a:tc>
-                <a:extLst>
-                  <a:ext uri="{0D108BD9-81ED-4DB2-BD59-A6C34878D82A}">
-                    <a16:rowId xmlns:a16="http://schemas.microsoft.com/office/drawing/2014/main" val="10008"/>
-                  </a:ext>
-                </a:extLst>
               </a:tr>
             </a:tbl>
           </a:graphicData>
@@ -18119,7 +18107,7 @@
 </file>
 
 <file path=ppt/slides/slide3.xml><?xml version="1.0" encoding="utf-8"?>
-<p:sld xmlns:a="http://schemas.openxmlformats.org/drawingml/2006/main" xmlns:r="http://schemas.openxmlformats.org/officeDocument/2006/relationships" xmlns:p="http://schemas.openxmlformats.org/presentationml/2006/main">
+<p:sld xmlns:r="http://schemas.openxmlformats.org/officeDocument/2006/relationships" xmlns:c="http://schemas.openxmlformats.org/drawingml/2006/chart" xmlns:a="http://schemas.openxmlformats.org/drawingml/2006/main" xmlns:dgm="http://schemas.openxmlformats.org/drawingml/2006/diagram" xmlns:dsp="http://schemas.microsoft.com/office/drawing/2008/diagram" xmlns:p="http://schemas.openxmlformats.org/presentationml/2006/main">
   <p:cSld>
     <p:spTree>
       <p:nvGrpSpPr>
@@ -25160,7 +25148,7 @@
 </file>
 
 <file path=ppt/slides/slide6.xml><?xml version="1.0" encoding="utf-8"?>
-<p:sld xmlns:a="http://schemas.openxmlformats.org/drawingml/2006/main" xmlns:r="http://schemas.openxmlformats.org/officeDocument/2006/relationships" xmlns:p="http://schemas.openxmlformats.org/presentationml/2006/main">
+<p:sld xmlns:r="http://schemas.openxmlformats.org/officeDocument/2006/relationships" xmlns:c="http://schemas.openxmlformats.org/drawingml/2006/chart" xmlns:a="http://schemas.openxmlformats.org/drawingml/2006/main" xmlns:dgm="http://schemas.openxmlformats.org/drawingml/2006/diagram" xmlns:dsp="http://schemas.microsoft.com/office/drawing/2008/diagram" xmlns:p="http://schemas.openxmlformats.org/presentationml/2006/main">
   <p:cSld>
     <p:spTree>
       <p:nvGrpSpPr>
@@ -25256,7 +25244,7 @@
         </p:nvGraphicFramePr>
         <p:xfrm>
           <a:off x="8688288" y="476672"/>
-          <a:ext cx="3383280" cy="3021293"/>
+          <a:ext cx="3383280" cy="3112540"/>
         </p:xfrm>
         <a:graphic>
           <a:graphicData uri="http://schemas.openxmlformats.org/drawingml/2006/table">
@@ -25265,25 +25253,13 @@
                 <a:tableStyleId>{5C22544A-7EE6-4342-B048-85BDC9FD1C3A}</a:tableStyleId>
               </a:tblPr>
               <a:tblGrid>
-                <a:gridCol w="409575">
-                  <a:extLst>
-                    <a:ext uri="{9D8B030D-6E8A-4147-A177-3AD203B41FA5}">
-                      <a16:colId xmlns:a16="http://schemas.microsoft.com/office/drawing/2014/main" val="20000"/>
-                    </a:ext>
-                  </a:extLst>
-                </a:gridCol>
-                <a:gridCol w="2973705">
-                  <a:extLst>
-                    <a:ext uri="{9D8B030D-6E8A-4147-A177-3AD203B41FA5}">
-                      <a16:colId xmlns:a16="http://schemas.microsoft.com/office/drawing/2014/main" val="20001"/>
-                    </a:ext>
-                  </a:extLst>
-                </a:gridCol>
+                <a:gridCol w="409575"/>
+                <a:gridCol w="2973705"/>
               </a:tblGrid>
               <a:tr h="258850">
                 <a:tc gridSpan="2">
                   <a:txBody>
-                    <a:bodyPr/>
+                    <a:bodyPr vert="horz" lIns="91440" tIns="45720" rIns="91440" bIns="45720" anchor="ctr" anchorCtr="0"/>
                     <a:lstStyle/>
                     <a:p>
                       <a:pPr marL="0" marR="0" lvl="0" indent="0" algn="l" defTabSz="914400" rtl="0" eaLnBrk="1" latinLnBrk="1" hangingPunct="1">
@@ -25304,7 +25280,7 @@
                       <a:r>
                         <a:rPr lang="en-US" altLang="ko-KR" sz="900" b="1">
                           <a:solidFill>
-                            <a:srgbClr val="4E5263"/>
+                            <a:srgbClr val="4e5263"/>
                           </a:solidFill>
                           <a:latin typeface="+mn-ea"/>
                           <a:ea typeface="+mn-ea"/>
@@ -25315,7 +25291,7 @@
                       <a:r>
                         <a:rPr lang="ko-KR" altLang="en-US" sz="900" b="1">
                           <a:solidFill>
-                            <a:srgbClr val="4E5263"/>
+                            <a:srgbClr val="4e5263"/>
                           </a:solidFill>
                           <a:latin typeface="+mn-ea"/>
                           <a:ea typeface="+mn-ea"/>
@@ -25325,7 +25301,7 @@
                       </a:r>
                       <a:endParaRPr lang="en-US" altLang="ko-KR" sz="900" b="1">
                         <a:solidFill>
-                          <a:srgbClr val="4E5263"/>
+                          <a:srgbClr val="4e5263"/>
                         </a:solidFill>
                         <a:latin typeface="+mn-ea"/>
                         <a:ea typeface="+mn-ea"/>
@@ -25333,7 +25309,7 @@
                       </a:endParaRPr>
                     </a:p>
                   </a:txBody>
-                  <a:tcPr anchor="ctr">
+                  <a:tcPr marL="91440" marR="91440" anchor="ctr">
                     <a:lnL w="3175" cap="flat" cmpd="sng" algn="ctr">
                       <a:noFill/>
                       <a:prstDash val="solid"/>
@@ -25393,7 +25369,7 @@
                       </a:pPr>
                       <a:endParaRPr lang="en" altLang="ko-KR" sz="900" b="1">
                         <a:solidFill>
-                          <a:srgbClr val="4E5263"/>
+                          <a:srgbClr val="4e5263"/>
                         </a:solidFill>
                         <a:latin typeface="SF Pro Text"/>
                         <a:ea typeface="SF Pro Text"/>
@@ -25401,7 +25377,7 @@
                       </a:endParaRPr>
                     </a:p>
                   </a:txBody>
-                  <a:tcPr anchor="ctr">
+                  <a:tcPr marL="91440" marR="91440" anchor="ctr">
                     <a:lnL w="3175" cap="flat" cmpd="sng" algn="ctr">
                       <a:solidFill>
                         <a:schemeClr val="tx1">
@@ -25443,16 +25419,11 @@
                     <a:noFill/>
                   </a:tcPr>
                 </a:tc>
-                <a:extLst>
-                  <a:ext uri="{0D108BD9-81ED-4DB2-BD59-A6C34878D82A}">
-                    <a16:rowId xmlns:a16="http://schemas.microsoft.com/office/drawing/2014/main" val="10000"/>
-                  </a:ext>
-                </a:extLst>
               </a:tr>
               <a:tr h="786307">
                 <a:tc gridSpan="2">
                   <a:txBody>
-                    <a:bodyPr/>
+                    <a:bodyPr vert="horz" lIns="91440" tIns="45720" rIns="91440" bIns="45720" anchor="ctr" anchorCtr="0"/>
                     <a:lstStyle/>
                     <a:p>
                       <a:pPr marL="108000" marR="0" lvl="0" indent="-108000" algn="just" defTabSz="914400" rtl="0" eaLnBrk="1" latinLnBrk="1" hangingPunct="1">
@@ -25492,6 +25463,14 @@
                         </a:rPr>
                         <a:t>.</a:t>
                       </a:r>
+                      <a:endParaRPr lang="en-US" altLang="ko-KR" sz="800" b="0">
+                        <a:solidFill>
+                          <a:schemeClr val="tx1"/>
+                        </a:solidFill>
+                        <a:latin typeface="+mn-ea"/>
+                        <a:ea typeface="+mn-ea"/>
+                        <a:sym typeface="맑은 고딕"/>
+                      </a:endParaRPr>
                     </a:p>
                     <a:p>
                       <a:pPr marL="108000" marR="0" lvl="0" indent="-108000" algn="just" defTabSz="914400" rtl="0" eaLnBrk="1" latinLnBrk="1" hangingPunct="1">
@@ -25553,6 +25532,14 @@
                         </a:rPr>
                         <a:t>.</a:t>
                       </a:r>
+                      <a:endParaRPr lang="en-US" altLang="ko-KR" sz="800" b="0">
+                        <a:solidFill>
+                          <a:schemeClr val="tx1"/>
+                        </a:solidFill>
+                        <a:latin typeface="+mn-ea"/>
+                        <a:ea typeface="+mn-ea"/>
+                        <a:sym typeface="맑은 고딕"/>
+                      </a:endParaRPr>
                     </a:p>
                     <a:p>
                       <a:pPr marL="108000" marR="0" lvl="0" indent="-108000" algn="just" defTabSz="914400" rtl="0" eaLnBrk="1" latinLnBrk="1" hangingPunct="1">
@@ -25592,6 +25579,14 @@
                         </a:rPr>
                         <a:t>.</a:t>
                       </a:r>
+                      <a:endParaRPr lang="en-US" altLang="ko-KR" sz="800" b="0">
+                        <a:solidFill>
+                          <a:schemeClr val="tx1"/>
+                        </a:solidFill>
+                        <a:latin typeface="+mn-ea"/>
+                        <a:ea typeface="+mn-ea"/>
+                        <a:sym typeface="맑은 고딕"/>
+                      </a:endParaRPr>
                     </a:p>
                     <a:p>
                       <a:pPr marL="108000" marR="0" lvl="0" indent="-108000" algn="just" defTabSz="914400" rtl="0" eaLnBrk="1" latinLnBrk="1" hangingPunct="1">
@@ -25618,7 +25613,7 @@
                           <a:ea typeface="+mn-ea"/>
                           <a:sym typeface="맑은 고딕"/>
                         </a:rPr>
-                        <a:t>이메일 신규가입 버튼을 누를수 있다</a:t>
+                        <a:t>회원가입 버튼을 누를수 있다</a:t>
                       </a:r>
                       <a:r>
                         <a:rPr lang="en-US" altLang="ko-KR" sz="800" b="0">
@@ -25631,6 +25626,14 @@
                         </a:rPr>
                         <a:t>.</a:t>
                       </a:r>
+                      <a:endParaRPr lang="en-US" altLang="ko-KR" sz="800" b="0">
+                        <a:solidFill>
+                          <a:schemeClr val="tx1"/>
+                        </a:solidFill>
+                        <a:latin typeface="+mn-ea"/>
+                        <a:ea typeface="+mn-ea"/>
+                        <a:sym typeface="맑은 고딕"/>
+                      </a:endParaRPr>
                     </a:p>
                     <a:p>
                       <a:pPr marL="108000" marR="0" lvl="0" indent="-108000" algn="just" defTabSz="914400" rtl="0" eaLnBrk="1" latinLnBrk="1" hangingPunct="1">
@@ -25658,7 +25661,7 @@
                       </a:endParaRPr>
                     </a:p>
                   </a:txBody>
-                  <a:tcPr anchor="ctr">
+                  <a:tcPr marL="91440" marR="91440" anchor="ctr">
                     <a:lnL w="3175" cap="flat" cmpd="sng" algn="ctr">
                       <a:noFill/>
                       <a:prstDash val="solid"/>
@@ -25710,18 +25713,13 @@
                       <a:endParaRPr lang="ko-KR" altLang="en-US"/>
                     </a:p>
                   </a:txBody>
-                  <a:tcPr/>
+                  <a:tcPr marL="91440" marR="91440"/>
                 </a:tc>
-                <a:extLst>
-                  <a:ext uri="{0D108BD9-81ED-4DB2-BD59-A6C34878D82A}">
-                    <a16:rowId xmlns:a16="http://schemas.microsoft.com/office/drawing/2014/main" val="10001"/>
-                  </a:ext>
-                </a:extLst>
               </a:tr>
               <a:tr h="241592">
                 <a:tc>
                   <a:txBody>
-                    <a:bodyPr/>
+                    <a:bodyPr vert="horz" lIns="91440" tIns="45720" rIns="91440" bIns="45720" anchor="ctr" anchorCtr="0"/>
                     <a:lstStyle/>
                     <a:p>
                       <a:pPr lvl="0" algn="ctr" latinLnBrk="1">
@@ -25749,7 +25747,7 @@
                       </a:endParaRPr>
                     </a:p>
                   </a:txBody>
-                  <a:tcPr anchor="ctr">
+                  <a:tcPr marL="91440" marR="91440" anchor="ctr">
                     <a:lnL w="3175" cap="flat" cmpd="sng" algn="ctr">
                       <a:noFill/>
                       <a:prstDash val="solid"/>
@@ -25798,7 +25796,7 @@
                 </a:tc>
                 <a:tc>
                   <a:txBody>
-                    <a:bodyPr/>
+                    <a:bodyPr vert="horz" lIns="91440" tIns="45720" rIns="91440" bIns="45720" anchor="ctr" anchorCtr="0"/>
                     <a:lstStyle/>
                     <a:p>
                       <a:pPr lvl="0" algn="just" latinLnBrk="1">
@@ -25828,7 +25826,7 @@
                         </a:rPr>
                         <a:t> </a:t>
                       </a:r>
-                      <a:endParaRPr lang="en-US" altLang="ko-KR" sz="850" b="0">
+                      <a:endParaRPr lang="ko-KR" altLang="en-US" sz="850" b="0">
                         <a:latin typeface="+mn-ea"/>
                         <a:ea typeface="+mn-ea"/>
                       </a:endParaRPr>
@@ -25861,9 +25859,13 @@
                         </a:rPr>
                         <a:t>.</a:t>
                       </a:r>
+                      <a:endParaRPr lang="en-US" altLang="ko-KR" sz="850" b="0">
+                        <a:latin typeface="+mn-ea"/>
+                        <a:ea typeface="+mn-ea"/>
+                      </a:endParaRPr>
                     </a:p>
                   </a:txBody>
-                  <a:tcPr anchor="ctr">
+                  <a:tcPr marL="91440" marR="91440" anchor="ctr">
                     <a:lnL w="3175" cap="flat" cmpd="sng" algn="ctr">
                       <a:solidFill>
                         <a:schemeClr val="tx1">
@@ -25910,16 +25912,11 @@
                     <a:noFill/>
                   </a:tcPr>
                 </a:tc>
-                <a:extLst>
-                  <a:ext uri="{0D108BD9-81ED-4DB2-BD59-A6C34878D82A}">
-                    <a16:rowId xmlns:a16="http://schemas.microsoft.com/office/drawing/2014/main" val="10002"/>
-                  </a:ext>
-                </a:extLst>
               </a:tr>
               <a:tr h="241592">
                 <a:tc>
                   <a:txBody>
-                    <a:bodyPr/>
+                    <a:bodyPr vert="horz" lIns="91440" tIns="45720" rIns="91440" bIns="45720" anchor="ctr" anchorCtr="0"/>
                     <a:lstStyle/>
                     <a:p>
                       <a:pPr lvl="0" algn="ctr" latinLnBrk="1">
@@ -25941,7 +25938,7 @@
                       </a:endParaRPr>
                     </a:p>
                   </a:txBody>
-                  <a:tcPr anchor="ctr">
+                  <a:tcPr marL="91440" marR="91440" anchor="ctr">
                     <a:lnL w="3175" cap="flat" cmpd="sng" algn="ctr">
                       <a:noFill/>
                       <a:prstDash val="solid"/>
@@ -25990,7 +25987,7 @@
                 </a:tc>
                 <a:tc>
                   <a:txBody>
-                    <a:bodyPr/>
+                    <a:bodyPr vert="horz" lIns="91440" tIns="45720" rIns="91440" bIns="45720" anchor="ctr" anchorCtr="0"/>
                     <a:lstStyle/>
                     <a:p>
                       <a:pPr marL="0" marR="0" lvl="0" indent="0" algn="just" defTabSz="914400" rtl="0" eaLnBrk="1" latinLnBrk="1" hangingPunct="1">
@@ -26030,9 +26027,17 @@
                         </a:rPr>
                         <a:t>.</a:t>
                       </a:r>
+                      <a:endParaRPr lang="en-US" altLang="ko-KR" sz="850" b="0">
+                        <a:solidFill>
+                          <a:schemeClr val="tx1"/>
+                        </a:solidFill>
+                        <a:latin typeface="+mn-ea"/>
+                        <a:ea typeface="+mn-ea"/>
+                        <a:sym typeface="맑은 고딕"/>
+                      </a:endParaRPr>
                     </a:p>
                   </a:txBody>
-                  <a:tcPr anchor="ctr">
+                  <a:tcPr marL="91440" marR="91440" anchor="ctr">
                     <a:lnL w="3175" cap="flat" cmpd="sng" algn="ctr">
                       <a:solidFill>
                         <a:schemeClr val="tx1">
@@ -26079,16 +26084,11 @@
                     <a:noFill/>
                   </a:tcPr>
                 </a:tc>
-                <a:extLst>
-                  <a:ext uri="{0D108BD9-81ED-4DB2-BD59-A6C34878D82A}">
-                    <a16:rowId xmlns:a16="http://schemas.microsoft.com/office/drawing/2014/main" val="10003"/>
-                  </a:ext>
-                </a:extLst>
               </a:tr>
               <a:tr h="405765">
                 <a:tc>
                   <a:txBody>
-                    <a:bodyPr/>
+                    <a:bodyPr vert="horz" lIns="91440" tIns="45720" rIns="91440" bIns="45720" anchor="ctr" anchorCtr="0"/>
                     <a:lstStyle/>
                     <a:p>
                       <a:pPr lvl="0" algn="ctr" latinLnBrk="1">
@@ -26104,9 +26104,13 @@
                         </a:rPr>
                         <a:t>3</a:t>
                       </a:r>
+                      <a:endParaRPr lang="en-US" altLang="ko-KR" sz="850" b="0">
+                        <a:latin typeface="+mn-ea"/>
+                        <a:ea typeface="+mn-ea"/>
+                      </a:endParaRPr>
                     </a:p>
                   </a:txBody>
-                  <a:tcPr anchor="ctr">
+                  <a:tcPr marL="91440" marR="91440" anchor="ctr">
                     <a:lnL w="3175" cap="flat" cmpd="sng" algn="ctr">
                       <a:noFill/>
                       <a:prstDash val="solid"/>
@@ -26155,7 +26159,7 @@
                 </a:tc>
                 <a:tc>
                   <a:txBody>
-                    <a:bodyPr/>
+                    <a:bodyPr vert="horz" lIns="91440" tIns="45720" rIns="91440" bIns="45720" anchor="ctr" anchorCtr="0"/>
                     <a:lstStyle/>
                     <a:p>
                       <a:pPr marL="0" marR="0" lvl="0" indent="0" algn="just" defTabSz="914400" rtl="0" eaLnBrk="1" latinLnBrk="1" hangingPunct="1">
@@ -26184,6 +26188,14 @@
                         </a:rPr>
                         <a:t>이메일과 비밀번호를 입력하지않고 로그인 버튼 클릭시</a:t>
                       </a:r>
+                      <a:endParaRPr lang="ko-KR" altLang="en-US" sz="850" b="0">
+                        <a:solidFill>
+                          <a:schemeClr val="tx1"/>
+                        </a:solidFill>
+                        <a:latin typeface="+mn-ea"/>
+                        <a:ea typeface="+mn-ea"/>
+                        <a:sym typeface="맑은 고딕"/>
+                      </a:endParaRPr>
                     </a:p>
                     <a:p>
                       <a:pPr marL="0" marR="0" lvl="0" indent="0" algn="just" defTabSz="914400" rtl="0" eaLnBrk="1" latinLnBrk="1" hangingPunct="1">
@@ -26223,9 +26235,17 @@
                         </a:rPr>
                         <a:t>.</a:t>
                       </a:r>
+                      <a:endParaRPr lang="en-US" altLang="ko-KR" sz="850" b="0">
+                        <a:solidFill>
+                          <a:schemeClr val="tx1"/>
+                        </a:solidFill>
+                        <a:latin typeface="+mn-ea"/>
+                        <a:ea typeface="+mn-ea"/>
+                        <a:sym typeface="맑은 고딕"/>
+                      </a:endParaRPr>
                     </a:p>
                   </a:txBody>
-                  <a:tcPr anchor="ctr">
+                  <a:tcPr marL="91440" marR="91440" anchor="ctr">
                     <a:lnL w="3175" cap="flat" cmpd="sng" algn="ctr">
                       <a:solidFill>
                         <a:schemeClr val="tx1">
@@ -26272,16 +26292,11 @@
                     <a:noFill/>
                   </a:tcPr>
                 </a:tc>
-                <a:extLst>
-                  <a:ext uri="{0D108BD9-81ED-4DB2-BD59-A6C34878D82A}">
-                    <a16:rowId xmlns:a16="http://schemas.microsoft.com/office/drawing/2014/main" val="10004"/>
-                  </a:ext>
-                </a:extLst>
               </a:tr>
               <a:tr h="241592">
                 <a:tc>
                   <a:txBody>
-                    <a:bodyPr/>
+                    <a:bodyPr vert="horz" lIns="91440" tIns="45720" rIns="91440" bIns="45720" anchor="ctr" anchorCtr="0"/>
                     <a:lstStyle/>
                     <a:p>
                       <a:pPr lvl="0" algn="ctr" latinLnBrk="1">
@@ -26297,9 +26312,13 @@
                         </a:rPr>
                         <a:t>4</a:t>
                       </a:r>
+                      <a:endParaRPr lang="en-US" altLang="ko-KR" sz="850" b="0">
+                        <a:latin typeface="+mn-ea"/>
+                        <a:ea typeface="+mn-ea"/>
+                      </a:endParaRPr>
                     </a:p>
                   </a:txBody>
-                  <a:tcPr anchor="ctr">
+                  <a:tcPr marL="91440" marR="91440" anchor="ctr">
                     <a:lnL w="3175" cap="flat" cmpd="sng" algn="ctr">
                       <a:noFill/>
                       <a:prstDash val="solid"/>
@@ -26348,7 +26367,7 @@
                 </a:tc>
                 <a:tc>
                   <a:txBody>
-                    <a:bodyPr/>
+                    <a:bodyPr vert="horz" lIns="91440" tIns="45720" rIns="91440" bIns="45720" anchor="ctr" anchorCtr="0"/>
                     <a:lstStyle/>
                     <a:p>
                       <a:pPr marL="0" marR="0" lvl="0" indent="0" algn="just" defTabSz="914400" rtl="0" eaLnBrk="1" latinLnBrk="1" hangingPunct="1">
@@ -26390,7 +26409,7 @@
                       </a:endParaRPr>
                     </a:p>
                   </a:txBody>
-                  <a:tcPr anchor="ctr">
+                  <a:tcPr marL="91440" marR="91440" anchor="ctr">
                     <a:lnL w="3175" cap="flat" cmpd="sng" algn="ctr">
                       <a:solidFill>
                         <a:schemeClr val="tx1">
@@ -26437,16 +26456,11 @@
                     <a:noFill/>
                   </a:tcPr>
                 </a:tc>
-                <a:extLst>
-                  <a:ext uri="{0D108BD9-81ED-4DB2-BD59-A6C34878D82A}">
-                    <a16:rowId xmlns:a16="http://schemas.microsoft.com/office/drawing/2014/main" val="10005"/>
-                  </a:ext>
-                </a:extLst>
               </a:tr>
               <a:tr h="241592">
                 <a:tc>
                   <a:txBody>
-                    <a:bodyPr/>
+                    <a:bodyPr vert="horz" lIns="91440" tIns="45720" rIns="91440" bIns="45720" anchor="ctr" anchorCtr="0"/>
                     <a:lstStyle/>
                     <a:p>
                       <a:pPr lvl="0" algn="ctr" latinLnBrk="1">
@@ -26462,9 +26476,13 @@
                         </a:rPr>
                         <a:t>5</a:t>
                       </a:r>
+                      <a:endParaRPr lang="en-US" altLang="ko-KR" sz="850" b="0">
+                        <a:latin typeface="+mn-ea"/>
+                        <a:ea typeface="+mn-ea"/>
+                      </a:endParaRPr>
                     </a:p>
                   </a:txBody>
-                  <a:tcPr anchor="ctr">
+                  <a:tcPr marL="91440" marR="91440" anchor="ctr">
                     <a:lnL w="3175" cap="flat" cmpd="sng" algn="ctr">
                       <a:noFill/>
                       <a:prstDash val="solid"/>
@@ -26513,7 +26531,7 @@
                 </a:tc>
                 <a:tc>
                   <a:txBody>
-                    <a:bodyPr/>
+                    <a:bodyPr vert="horz" lIns="91440" tIns="45720" rIns="91440" bIns="45720" anchor="ctr" anchorCtr="0"/>
                     <a:lstStyle/>
                     <a:p>
                       <a:pPr marL="0" marR="0" lvl="0" indent="0" algn="just" defTabSz="914400" rtl="0" eaLnBrk="1" latinLnBrk="1" hangingPunct="1">
@@ -26558,6 +26576,12 @@
                         </a:rPr>
                         <a:t>.</a:t>
                       </a:r>
+                      <a:endParaRPr kumimoji="1" lang="en-US" altLang="ko-KR" sz="850">
+                        <a:solidFill>
+                          <a:schemeClr val="tx1"/>
+                        </a:solidFill>
+                        <a:latin typeface="+mn-ea"/>
+                      </a:endParaRPr>
                     </a:p>
                     <a:p>
                       <a:pPr marL="0" marR="0" lvl="0" indent="0" algn="just" defTabSz="914400" rtl="0" eaLnBrk="1" latinLnBrk="1" hangingPunct="1">
@@ -26605,7 +26629,7 @@
                       </a:endParaRPr>
                     </a:p>
                   </a:txBody>
-                  <a:tcPr anchor="ctr">
+                  <a:tcPr marL="91440" marR="91440" anchor="ctr">
                     <a:lnL w="3175" cap="flat" cmpd="sng" algn="ctr">
                       <a:solidFill>
                         <a:schemeClr val="tx1">
@@ -26652,11 +26676,6 @@
                     <a:noFill/>
                   </a:tcPr>
                 </a:tc>
-                <a:extLst>
-                  <a:ext uri="{0D108BD9-81ED-4DB2-BD59-A6C34878D82A}">
-                    <a16:rowId xmlns:a16="http://schemas.microsoft.com/office/drawing/2014/main" val="10006"/>
-                  </a:ext>
-                </a:extLst>
               </a:tr>
             </a:tbl>
           </a:graphicData>
@@ -28018,7 +28037,7 @@
 </file>
 
 <file path=ppt/slides/slide8.xml><?xml version="1.0" encoding="utf-8"?>
-<p:sld xmlns:a="http://schemas.openxmlformats.org/drawingml/2006/main" xmlns:r="http://schemas.openxmlformats.org/officeDocument/2006/relationships" xmlns:p="http://schemas.openxmlformats.org/presentationml/2006/main">
+<p:sld xmlns:r="http://schemas.openxmlformats.org/officeDocument/2006/relationships" xmlns:c="http://schemas.openxmlformats.org/drawingml/2006/chart" xmlns:a="http://schemas.openxmlformats.org/drawingml/2006/main" xmlns:dgm="http://schemas.openxmlformats.org/drawingml/2006/diagram" xmlns:dsp="http://schemas.microsoft.com/office/drawing/2008/diagram" xmlns:p="http://schemas.openxmlformats.org/presentationml/2006/main">
   <p:cSld>
     <p:spTree>
       <p:nvGrpSpPr>
@@ -28115,7 +28134,7 @@
         </p:nvGraphicFramePr>
         <p:xfrm>
           <a:off x="8688288" y="476672"/>
-          <a:ext cx="3376961" cy="4272959"/>
+          <a:ext cx="3376961" cy="4392526"/>
         </p:xfrm>
         <a:graphic>
           <a:graphicData uri="http://schemas.openxmlformats.org/drawingml/2006/table">
@@ -28124,25 +28143,13 @@
                 <a:tableStyleId>{5C22544A-7EE6-4342-B048-85BDC9FD1C3A}</a:tableStyleId>
               </a:tblPr>
               <a:tblGrid>
-                <a:gridCol w="403256">
-                  <a:extLst>
-                    <a:ext uri="{9D8B030D-6E8A-4147-A177-3AD203B41FA5}">
-                      <a16:colId xmlns:a16="http://schemas.microsoft.com/office/drawing/2014/main" val="20000"/>
-                    </a:ext>
-                  </a:extLst>
-                </a:gridCol>
-                <a:gridCol w="2973705">
-                  <a:extLst>
-                    <a:ext uri="{9D8B030D-6E8A-4147-A177-3AD203B41FA5}">
-                      <a16:colId xmlns:a16="http://schemas.microsoft.com/office/drawing/2014/main" val="20001"/>
-                    </a:ext>
-                  </a:extLst>
-                </a:gridCol>
+                <a:gridCol w="403256"/>
+                <a:gridCol w="2973705"/>
               </a:tblGrid>
               <a:tr h="258850">
                 <a:tc gridSpan="2">
                   <a:txBody>
-                    <a:bodyPr/>
+                    <a:bodyPr vert="horz" lIns="91440" tIns="45720" rIns="91440" bIns="45720" anchor="ctr" anchorCtr="0"/>
                     <a:lstStyle/>
                     <a:p>
                       <a:pPr marL="0" marR="0" lvl="0" indent="0" algn="l" defTabSz="914400" rtl="0" eaLnBrk="1" latinLnBrk="1" hangingPunct="1">
@@ -28163,7 +28170,7 @@
                       <a:r>
                         <a:rPr lang="en-US" altLang="ko-KR" sz="900" b="1">
                           <a:solidFill>
-                            <a:srgbClr val="4E5263"/>
+                            <a:srgbClr val="4e5263"/>
                           </a:solidFill>
                           <a:latin typeface="+mn-ea"/>
                           <a:ea typeface="+mn-ea"/>
@@ -28173,7 +28180,7 @@
                       </a:r>
                       <a:endParaRPr lang="en" altLang="ko-KR" sz="900" b="1">
                         <a:solidFill>
-                          <a:srgbClr val="4E5263"/>
+                          <a:srgbClr val="4e5263"/>
                         </a:solidFill>
                         <a:latin typeface="+mn-ea"/>
                         <a:ea typeface="+mn-ea"/>
@@ -28181,7 +28188,7 @@
                       </a:endParaRPr>
                     </a:p>
                   </a:txBody>
-                  <a:tcPr anchor="ctr">
+                  <a:tcPr marL="91440" marR="91440" anchor="ctr">
                     <a:lnL w="3175" cap="flat" cmpd="sng" algn="ctr">
                       <a:noFill/>
                       <a:prstDash val="solid"/>
@@ -28241,7 +28248,7 @@
                       </a:pPr>
                       <a:endParaRPr lang="en" altLang="ko-KR" sz="900" b="1">
                         <a:solidFill>
-                          <a:srgbClr val="4E5263"/>
+                          <a:srgbClr val="4e5263"/>
                         </a:solidFill>
                         <a:latin typeface="SF Pro Text"/>
                         <a:ea typeface="SF Pro Text"/>
@@ -28249,7 +28256,7 @@
                       </a:endParaRPr>
                     </a:p>
                   </a:txBody>
-                  <a:tcPr anchor="ctr">
+                  <a:tcPr marL="91440" marR="91440" anchor="ctr">
                     <a:lnL w="3175" cap="flat" cmpd="sng" algn="ctr">
                       <a:solidFill>
                         <a:schemeClr val="tx1">
@@ -28291,16 +28298,11 @@
                     <a:noFill/>
                   </a:tcPr>
                 </a:tc>
-                <a:extLst>
-                  <a:ext uri="{0D108BD9-81ED-4DB2-BD59-A6C34878D82A}">
-                    <a16:rowId xmlns:a16="http://schemas.microsoft.com/office/drawing/2014/main" val="10000"/>
-                  </a:ext>
-                </a:extLst>
               </a:tr>
               <a:tr h="786307">
                 <a:tc gridSpan="2">
                   <a:txBody>
-                    <a:bodyPr/>
+                    <a:bodyPr vert="horz" lIns="91440" tIns="45720" rIns="91440" bIns="45720" anchor="ctr" anchorCtr="0"/>
                     <a:lstStyle/>
                     <a:p>
                       <a:pPr marL="0" marR="0" lvl="0" indent="0" algn="just" defTabSz="914400" rtl="0" eaLnBrk="1" latinLnBrk="1" hangingPunct="1">
@@ -28365,6 +28367,14 @@
                         </a:rPr>
                         <a:t>.</a:t>
                       </a:r>
+                      <a:endParaRPr lang="en-US" altLang="ko-KR" sz="800" b="0">
+                        <a:solidFill>
+                          <a:schemeClr val="tx1"/>
+                        </a:solidFill>
+                        <a:latin typeface="+mn-ea"/>
+                        <a:ea typeface="+mn-ea"/>
+                        <a:sym typeface="맑은 고딕"/>
+                      </a:endParaRPr>
                     </a:p>
                     <a:p>
                       <a:pPr marL="108000" marR="0" lvl="0" indent="-108000" algn="just" defTabSz="914400" rtl="0" eaLnBrk="1" latinLnBrk="1" hangingPunct="1">
@@ -28448,6 +28458,14 @@
                         </a:rPr>
                         <a:t>.</a:t>
                       </a:r>
+                      <a:endParaRPr lang="en-US" altLang="ko-KR" sz="800" b="0">
+                        <a:solidFill>
+                          <a:schemeClr val="tx1"/>
+                        </a:solidFill>
+                        <a:latin typeface="+mn-ea"/>
+                        <a:ea typeface="+mn-ea"/>
+                        <a:sym typeface="맑은 고딕"/>
+                      </a:endParaRPr>
                     </a:p>
                     <a:p>
                       <a:pPr marL="0" marR="0" lvl="0" indent="0" algn="just" defTabSz="914400" rtl="0" eaLnBrk="1" latinLnBrk="1" hangingPunct="1">
@@ -28475,7 +28493,7 @@
                       </a:endParaRPr>
                     </a:p>
                   </a:txBody>
-                  <a:tcPr anchor="ctr">
+                  <a:tcPr marL="91440" marR="91440" anchor="ctr">
                     <a:lnL w="3175" cap="flat" cmpd="sng" algn="ctr">
                       <a:noFill/>
                       <a:prstDash val="solid"/>
@@ -28527,18 +28545,13 @@
                       <a:endParaRPr lang="ko-KR" altLang="en-US"/>
                     </a:p>
                   </a:txBody>
-                  <a:tcPr/>
+                  <a:tcPr marL="91440" marR="91440"/>
                 </a:tc>
-                <a:extLst>
-                  <a:ext uri="{0D108BD9-81ED-4DB2-BD59-A6C34878D82A}">
-                    <a16:rowId xmlns:a16="http://schemas.microsoft.com/office/drawing/2014/main" val="10001"/>
-                  </a:ext>
-                </a:extLst>
               </a:tr>
               <a:tr h="241592">
                 <a:tc>
                   <a:txBody>
-                    <a:bodyPr/>
+                    <a:bodyPr vert="horz" lIns="91440" tIns="45720" rIns="91440" bIns="45720" anchor="ctr" anchorCtr="0"/>
                     <a:lstStyle/>
                     <a:p>
                       <a:pPr lvl="0" algn="ctr" latinLnBrk="1">
@@ -28568,7 +28581,7 @@
                       </a:endParaRPr>
                     </a:p>
                   </a:txBody>
-                  <a:tcPr anchor="ctr">
+                  <a:tcPr marL="91440" marR="91440" anchor="ctr">
                     <a:lnL w="3175" cap="flat" cmpd="sng" algn="ctr">
                       <a:noFill/>
                       <a:prstDash val="solid"/>
@@ -28617,7 +28630,7 @@
                 </a:tc>
                 <a:tc>
                   <a:txBody>
-                    <a:bodyPr/>
+                    <a:bodyPr vert="horz" lIns="91440" tIns="45720" rIns="91440" bIns="45720" anchor="ctr" anchorCtr="0"/>
                     <a:lstStyle/>
                     <a:p>
                       <a:pPr lvl="0" algn="just" latinLnBrk="1">
@@ -28642,9 +28655,14 @@
                         </a:rPr>
                         <a:t>.</a:t>
                       </a:r>
+                      <a:endParaRPr lang="en-US" altLang="ko-KR" sz="850" b="0">
+                        <a:latin typeface="+mn-ea"/>
+                        <a:ea typeface="+mn-ea"/>
+                        <a:cs typeface="+mn-cs"/>
+                      </a:endParaRPr>
                     </a:p>
                   </a:txBody>
-                  <a:tcPr anchor="ctr">
+                  <a:tcPr marL="91440" marR="91440" anchor="ctr">
                     <a:lnL w="3175" cap="flat" cmpd="sng" algn="ctr">
                       <a:solidFill>
                         <a:schemeClr val="tx1">
@@ -28691,16 +28709,11 @@
                     <a:noFill/>
                   </a:tcPr>
                 </a:tc>
-                <a:extLst>
-                  <a:ext uri="{0D108BD9-81ED-4DB2-BD59-A6C34878D82A}">
-                    <a16:rowId xmlns:a16="http://schemas.microsoft.com/office/drawing/2014/main" val="10002"/>
-                  </a:ext>
-                </a:extLst>
               </a:tr>
               <a:tr h="241592">
                 <a:tc>
                   <a:txBody>
-                    <a:bodyPr/>
+                    <a:bodyPr vert="horz" lIns="91440" tIns="45720" rIns="91440" bIns="45720" anchor="ctr" anchorCtr="0"/>
                     <a:lstStyle/>
                     <a:p>
                       <a:pPr lvl="0" algn="ctr" latinLnBrk="1">
@@ -28724,7 +28737,7 @@
                       </a:endParaRPr>
                     </a:p>
                   </a:txBody>
-                  <a:tcPr anchor="ctr">
+                  <a:tcPr marL="91440" marR="91440" anchor="ctr">
                     <a:lnL w="3175" cap="flat" cmpd="sng" algn="ctr">
                       <a:noFill/>
                       <a:prstDash val="solid"/>
@@ -28773,7 +28786,7 @@
                 </a:tc>
                 <a:tc>
                   <a:txBody>
-                    <a:bodyPr/>
+                    <a:bodyPr vert="horz" lIns="91440" tIns="45720" rIns="91440" bIns="45720" anchor="ctr" anchorCtr="0"/>
                     <a:lstStyle/>
                     <a:p>
                       <a:pPr marL="0" marR="0" lvl="0" indent="0" algn="just" defTabSz="914400" rtl="0" eaLnBrk="1" latinLnBrk="1" hangingPunct="1">
@@ -28798,7 +28811,7 @@
                           </a:solidFill>
                           <a:latin typeface="+mn-ea"/>
                         </a:rPr>
-                        <a:t>비밀번호는 대</a:t>
+                        <a:t>비밀번호는 문자와 숫자</a:t>
                       </a:r>
                       <a:r>
                         <a:rPr kumimoji="1" lang="en-US" altLang="ko-KR" sz="850">
@@ -28807,7 +28820,7 @@
                           </a:solidFill>
                           <a:latin typeface="+mn-ea"/>
                         </a:rPr>
-                        <a:t>/</a:t>
+                        <a:t>,</a:t>
                       </a:r>
                       <a:r>
                         <a:rPr kumimoji="1" lang="ko-KR" altLang="en-US" sz="850">
@@ -28816,7 +28829,7 @@
                           </a:solidFill>
                           <a:latin typeface="+mn-ea"/>
                         </a:rPr>
-                        <a:t>소문자와 숫자 조합 </a:t>
+                        <a:t>특수문자조합 최소 </a:t>
                       </a:r>
                       <a:r>
                         <a:rPr kumimoji="1" lang="en-US" altLang="ko-KR" sz="850">
@@ -28825,7 +28838,7 @@
                           </a:solidFill>
                           <a:latin typeface="+mn-ea"/>
                         </a:rPr>
-                        <a:t>8-16</a:t>
+                        <a:t>8</a:t>
                       </a:r>
                       <a:r>
                         <a:rPr kumimoji="1" lang="ko-KR" altLang="en-US" sz="850">
@@ -28845,6 +28858,12 @@
                         </a:rPr>
                         <a:t>.</a:t>
                       </a:r>
+                      <a:endParaRPr kumimoji="1" lang="en-US" altLang="ko-KR" sz="850">
+                        <a:solidFill>
+                          <a:schemeClr val="tx1"/>
+                        </a:solidFill>
+                        <a:latin typeface="+mn-ea"/>
+                      </a:endParaRPr>
                     </a:p>
                     <a:p>
                       <a:pPr marL="0" marR="0" lvl="0" indent="0" algn="just" defTabSz="914400" rtl="0" eaLnBrk="1" latinLnBrk="1" hangingPunct="1">
@@ -28880,9 +28899,15 @@
                         </a:rPr>
                         <a:t>.</a:t>
                       </a:r>
+                      <a:endParaRPr kumimoji="1" lang="en-US" altLang="ko-KR" sz="850">
+                        <a:solidFill>
+                          <a:schemeClr val="tx1"/>
+                        </a:solidFill>
+                        <a:latin typeface="+mn-ea"/>
+                      </a:endParaRPr>
                     </a:p>
                   </a:txBody>
-                  <a:tcPr anchor="ctr">
+                  <a:tcPr marL="91440" marR="91440" anchor="ctr">
                     <a:lnL w="3175" cap="flat" cmpd="sng" algn="ctr">
                       <a:solidFill>
                         <a:schemeClr val="tx1">
@@ -28929,16 +28954,11 @@
                     <a:noFill/>
                   </a:tcPr>
                 </a:tc>
-                <a:extLst>
-                  <a:ext uri="{0D108BD9-81ED-4DB2-BD59-A6C34878D82A}">
-                    <a16:rowId xmlns:a16="http://schemas.microsoft.com/office/drawing/2014/main" val="10003"/>
-                  </a:ext>
-                </a:extLst>
               </a:tr>
               <a:tr h="417021">
                 <a:tc>
                   <a:txBody>
-                    <a:bodyPr/>
+                    <a:bodyPr vert="horz" lIns="91440" tIns="45720" rIns="91440" bIns="45720" anchor="ctr" anchorCtr="0"/>
                     <a:lstStyle/>
                     <a:p>
                       <a:pPr lvl="0" algn="ctr" latinLnBrk="1">
@@ -28955,9 +28975,14 @@
                         </a:rPr>
                         <a:t>3</a:t>
                       </a:r>
+                      <a:endParaRPr lang="en-US" altLang="ko-KR" sz="850" b="0">
+                        <a:latin typeface="+mn-ea"/>
+                        <a:ea typeface="+mn-ea"/>
+                        <a:cs typeface="+mn-cs"/>
+                      </a:endParaRPr>
                     </a:p>
                   </a:txBody>
-                  <a:tcPr anchor="ctr">
+                  <a:tcPr marL="91440" marR="91440" anchor="ctr">
                     <a:lnL w="3175" cap="flat" cmpd="sng" algn="ctr">
                       <a:noFill/>
                       <a:prstDash val="solid"/>
@@ -29006,7 +29031,7 @@
                 </a:tc>
                 <a:tc>
                   <a:txBody>
-                    <a:bodyPr/>
+                    <a:bodyPr vert="horz" lIns="91440" tIns="45720" rIns="91440" bIns="45720" anchor="ctr" anchorCtr="0"/>
                     <a:lstStyle/>
                     <a:p>
                       <a:pPr marL="0" marR="0" lvl="0" indent="0" algn="just" defTabSz="914400" rtl="0" eaLnBrk="1" latinLnBrk="1" hangingPunct="1">
@@ -29060,9 +29085,15 @@
                         </a:rPr>
                         <a:t>.</a:t>
                       </a:r>
+                      <a:endParaRPr kumimoji="1" lang="en-US" altLang="ko-KR" sz="850">
+                        <a:solidFill>
+                          <a:schemeClr val="tx1"/>
+                        </a:solidFill>
+                        <a:latin typeface="+mn-ea"/>
+                      </a:endParaRPr>
                     </a:p>
                   </a:txBody>
-                  <a:tcPr anchor="ctr">
+                  <a:tcPr marL="91440" marR="91440" anchor="ctr">
                     <a:lnL w="3175" cap="flat" cmpd="sng" algn="ctr">
                       <a:solidFill>
                         <a:schemeClr val="tx1">
@@ -29109,16 +29140,11 @@
                     <a:noFill/>
                   </a:tcPr>
                 </a:tc>
-                <a:extLst>
-                  <a:ext uri="{0D108BD9-81ED-4DB2-BD59-A6C34878D82A}">
-                    <a16:rowId xmlns:a16="http://schemas.microsoft.com/office/drawing/2014/main" val="10004"/>
-                  </a:ext>
-                </a:extLst>
               </a:tr>
               <a:tr h="241592">
                 <a:tc>
                   <a:txBody>
-                    <a:bodyPr/>
+                    <a:bodyPr vert="horz" lIns="91440" tIns="45720" rIns="91440" bIns="45720" anchor="ctr" anchorCtr="0"/>
                     <a:lstStyle/>
                     <a:p>
                       <a:pPr lvl="0" algn="ctr" latinLnBrk="1">
@@ -29135,9 +29161,14 @@
                         </a:rPr>
                         <a:t>4</a:t>
                       </a:r>
+                      <a:endParaRPr lang="en-US" altLang="ko-KR" sz="850" b="0">
+                        <a:latin typeface="+mn-ea"/>
+                        <a:ea typeface="+mn-ea"/>
+                        <a:cs typeface="+mn-cs"/>
+                      </a:endParaRPr>
                     </a:p>
                   </a:txBody>
-                  <a:tcPr anchor="ctr">
+                  <a:tcPr marL="91440" marR="91440" anchor="ctr">
                     <a:lnL w="3175" cap="flat" cmpd="sng" algn="ctr">
                       <a:noFill/>
                       <a:prstDash val="solid"/>
@@ -29186,7 +29217,7 @@
                 </a:tc>
                 <a:tc>
                   <a:txBody>
-                    <a:bodyPr/>
+                    <a:bodyPr vert="horz" lIns="91440" tIns="45720" rIns="91440" bIns="45720" anchor="ctr" anchorCtr="0"/>
                     <a:lstStyle/>
                     <a:p>
                       <a:pPr lvl="0" algn="just" latinLnBrk="1">
@@ -29201,7 +29232,7 @@
                           <a:ea typeface="+mn-ea"/>
                           <a:cs typeface="+mn-cs"/>
                         </a:rPr>
-                        <a:t>이용약관과 개인정보 수집약관은 글자를 클릭 시 모달창으로 상세 정보를 확인할 수 있다</a:t>
+                        <a:t>이용약관과 개인정보 수집약관은 글자를 로그인 모달창 하단 링크를 클릭해서 확인할 수 있다</a:t>
                       </a:r>
                       <a:r>
                         <a:rPr lang="en-US" altLang="ko-KR" sz="850" b="0">
@@ -29211,9 +29242,14 @@
                         </a:rPr>
                         <a:t>.</a:t>
                       </a:r>
+                      <a:endParaRPr lang="en-US" altLang="ko-KR" sz="850" b="0">
+                        <a:latin typeface="+mn-ea"/>
+                        <a:ea typeface="+mn-ea"/>
+                        <a:cs typeface="+mn-cs"/>
+                      </a:endParaRPr>
                     </a:p>
                   </a:txBody>
-                  <a:tcPr anchor="ctr">
+                  <a:tcPr marL="91440" marR="91440" anchor="ctr">
                     <a:lnL w="3175" cap="flat" cmpd="sng" algn="ctr">
                       <a:solidFill>
                         <a:schemeClr val="tx1">
@@ -29260,16 +29296,11 @@
                     <a:noFill/>
                   </a:tcPr>
                 </a:tc>
-                <a:extLst>
-                  <a:ext uri="{0D108BD9-81ED-4DB2-BD59-A6C34878D82A}">
-                    <a16:rowId xmlns:a16="http://schemas.microsoft.com/office/drawing/2014/main" val="10005"/>
-                  </a:ext>
-                </a:extLst>
               </a:tr>
               <a:tr h="241592">
                 <a:tc>
                   <a:txBody>
-                    <a:bodyPr/>
+                    <a:bodyPr vert="horz" lIns="91440" tIns="45720" rIns="91440" bIns="45720" anchor="ctr" anchorCtr="0"/>
                     <a:lstStyle/>
                     <a:p>
                       <a:pPr lvl="0" algn="ctr" latinLnBrk="1">
@@ -29286,9 +29317,14 @@
                         </a:rPr>
                         <a:t>5</a:t>
                       </a:r>
+                      <a:endParaRPr lang="en-US" altLang="ko-KR" sz="850" b="0">
+                        <a:latin typeface="+mn-ea"/>
+                        <a:ea typeface="+mn-ea"/>
+                        <a:cs typeface="+mn-cs"/>
+                      </a:endParaRPr>
                     </a:p>
                   </a:txBody>
-                  <a:tcPr anchor="ctr">
+                  <a:tcPr marL="91440" marR="91440" anchor="ctr">
                     <a:lnL w="3175" cap="flat" cmpd="sng" algn="ctr">
                       <a:noFill/>
                       <a:prstDash val="solid"/>
@@ -29337,7 +29373,7 @@
                 </a:tc>
                 <a:tc>
                   <a:txBody>
-                    <a:bodyPr/>
+                    <a:bodyPr vert="horz" lIns="91440" tIns="45720" rIns="91440" bIns="45720" anchor="ctr" anchorCtr="0"/>
                     <a:lstStyle/>
                     <a:p>
                       <a:pPr marL="0" marR="0" lvl="0" indent="0" algn="just" defTabSz="914400" rtl="0" eaLnBrk="1" latinLnBrk="1" hangingPunct="1">
@@ -29373,9 +29409,15 @@
                         </a:rPr>
                         <a:t>.</a:t>
                       </a:r>
+                      <a:endParaRPr kumimoji="1" lang="en-US" altLang="ko-KR" sz="850">
+                        <a:solidFill>
+                          <a:schemeClr val="tx1"/>
+                        </a:solidFill>
+                        <a:latin typeface="+mn-ea"/>
+                      </a:endParaRPr>
                     </a:p>
                   </a:txBody>
-                  <a:tcPr anchor="ctr">
+                  <a:tcPr marL="91440" marR="91440" anchor="ctr">
                     <a:lnL w="3175" cap="flat" cmpd="sng" algn="ctr">
                       <a:solidFill>
                         <a:schemeClr val="tx1">
@@ -29422,16 +29464,11 @@
                     <a:noFill/>
                   </a:tcPr>
                 </a:tc>
-                <a:extLst>
-                  <a:ext uri="{0D108BD9-81ED-4DB2-BD59-A6C34878D82A}">
-                    <a16:rowId xmlns:a16="http://schemas.microsoft.com/office/drawing/2014/main" val="10006"/>
-                  </a:ext>
-                </a:extLst>
               </a:tr>
               <a:tr h="202882">
                 <a:tc>
                   <a:txBody>
-                    <a:bodyPr/>
+                    <a:bodyPr vert="horz" lIns="91440" tIns="45720" rIns="91440" bIns="45720" anchor="ctr" anchorCtr="0"/>
                     <a:lstStyle/>
                     <a:p>
                       <a:pPr lvl="0" algn="ctr" latinLnBrk="1">
@@ -29448,9 +29485,14 @@
                         </a:rPr>
                         <a:t>6</a:t>
                       </a:r>
+                      <a:endParaRPr lang="en-US" altLang="ko-KR" sz="850" b="0">
+                        <a:latin typeface="+mn-ea"/>
+                        <a:ea typeface="+mn-ea"/>
+                        <a:cs typeface="+mn-cs"/>
+                      </a:endParaRPr>
                     </a:p>
                   </a:txBody>
-                  <a:tcPr anchor="ctr">
+                  <a:tcPr marL="91440" marR="91440" anchor="ctr">
                     <a:lnL w="3175" cap="flat" cmpd="sng" algn="ctr">
                       <a:noFill/>
                       <a:prstDash val="solid"/>
@@ -29499,7 +29541,7 @@
                 </a:tc>
                 <a:tc>
                   <a:txBody>
-                    <a:bodyPr/>
+                    <a:bodyPr vert="horz" lIns="91440" tIns="45720" rIns="91440" bIns="45720" anchor="ctr" anchorCtr="0"/>
                     <a:lstStyle/>
                     <a:p>
                       <a:pPr lvl="0" algn="just" latinLnBrk="1">
@@ -29524,9 +29566,14 @@
                         </a:rPr>
                         <a:t>.</a:t>
                       </a:r>
+                      <a:endParaRPr lang="en-US" altLang="ko-KR" sz="850" b="0">
+                        <a:latin typeface="+mn-ea"/>
+                        <a:ea typeface="+mn-ea"/>
+                        <a:cs typeface="+mn-cs"/>
+                      </a:endParaRPr>
                     </a:p>
                   </a:txBody>
-                  <a:tcPr anchor="ctr">
+                  <a:tcPr marL="91440" marR="91440" anchor="ctr">
                     <a:lnL w="3175" cap="flat" cmpd="sng" algn="ctr">
                       <a:solidFill>
                         <a:schemeClr val="tx1">
@@ -29573,16 +29620,11 @@
                     <a:noFill/>
                   </a:tcPr>
                 </a:tc>
-                <a:extLst>
-                  <a:ext uri="{0D108BD9-81ED-4DB2-BD59-A6C34878D82A}">
-                    <a16:rowId xmlns:a16="http://schemas.microsoft.com/office/drawing/2014/main" val="10007"/>
-                  </a:ext>
-                </a:extLst>
               </a:tr>
               <a:tr h="202882">
                 <a:tc>
                   <a:txBody>
-                    <a:bodyPr/>
+                    <a:bodyPr vert="horz" lIns="91440" tIns="45720" rIns="91440" bIns="45720" anchor="ctr" anchorCtr="0"/>
                     <a:lstStyle/>
                     <a:p>
                       <a:pPr lvl="0" algn="ctr" latinLnBrk="1">
@@ -29599,9 +29641,14 @@
                         </a:rPr>
                         <a:t>7</a:t>
                       </a:r>
+                      <a:endParaRPr lang="en-US" altLang="ko-KR" sz="850" b="0">
+                        <a:latin typeface="+mn-ea"/>
+                        <a:ea typeface="+mn-ea"/>
+                        <a:cs typeface="+mn-cs"/>
+                      </a:endParaRPr>
                     </a:p>
                   </a:txBody>
-                  <a:tcPr anchor="ctr">
+                  <a:tcPr marL="91440" marR="91440" anchor="ctr">
                     <a:lnL w="3175" cap="flat" cmpd="sng" algn="ctr">
                       <a:noFill/>
                       <a:prstDash val="solid"/>
@@ -29650,7 +29697,7 @@
                 </a:tc>
                 <a:tc>
                   <a:txBody>
-                    <a:bodyPr/>
+                    <a:bodyPr vert="horz" lIns="91440" tIns="45720" rIns="91440" bIns="45720" anchor="ctr" anchorCtr="0"/>
                     <a:lstStyle/>
                     <a:p>
                       <a:pPr lvl="0" algn="just" latinLnBrk="1">
@@ -29739,6 +29786,11 @@
                         </a:rPr>
                         <a:t>.</a:t>
                       </a:r>
+                      <a:endParaRPr lang="en-US" altLang="ko-KR" sz="850" b="0">
+                        <a:latin typeface="+mn-ea"/>
+                        <a:ea typeface="+mn-ea"/>
+                        <a:cs typeface="+mn-cs"/>
+                      </a:endParaRPr>
                     </a:p>
                     <a:p>
                       <a:pPr lvl="0" algn="just" latinLnBrk="1">
@@ -29819,9 +29871,14 @@
                         </a:rPr>
                         <a:t> </a:t>
                       </a:r>
+                      <a:endParaRPr lang="ko-KR" altLang="en-US" sz="850" b="0">
+                        <a:latin typeface="+mn-ea"/>
+                        <a:ea typeface="+mn-ea"/>
+                        <a:cs typeface="+mn-cs"/>
+                      </a:endParaRPr>
                     </a:p>
                   </a:txBody>
-                  <a:tcPr anchor="ctr">
+                  <a:tcPr marL="91440" marR="91440" anchor="ctr">
                     <a:lnL w="3175" cap="flat" cmpd="sng" algn="ctr">
                       <a:solidFill>
                         <a:schemeClr val="tx1">
@@ -29868,11 +29925,6 @@
                     <a:noFill/>
                   </a:tcPr>
                 </a:tc>
-                <a:extLst>
-                  <a:ext uri="{0D108BD9-81ED-4DB2-BD59-A6C34878D82A}">
-                    <a16:rowId xmlns:a16="http://schemas.microsoft.com/office/drawing/2014/main" val="10008"/>
-                  </a:ext>
-                </a:extLst>
               </a:tr>
             </a:tbl>
           </a:graphicData>
@@ -30047,10 +30099,10 @@
           </a:xfrm>
           <a:prstGeom prst="borderCallout1">
             <a:avLst>
-              <a:gd name="adj1" fmla="val 19773"/>
-              <a:gd name="adj2" fmla="val -908"/>
-              <a:gd name="adj3" fmla="val 150125"/>
-              <a:gd name="adj4" fmla="val -35772"/>
+              <a:gd name="adj1" fmla="val 96572"/>
+              <a:gd name="adj2" fmla="val 116"/>
+              <a:gd name="adj3" fmla="val 156268"/>
+              <a:gd name="adj4" fmla="val -59323"/>
             </a:avLst>
           </a:prstGeom>
           <a:noFill/>
@@ -30102,14 +30154,14 @@
             <a:avLst>
               <a:gd name="adj1" fmla="val 19773"/>
               <a:gd name="adj2" fmla="val -908"/>
-              <a:gd name="adj3" fmla="val 64111"/>
-              <a:gd name="adj4" fmla="val -32700"/>
+              <a:gd name="adj3" fmla="val 66670"/>
+              <a:gd name="adj4" fmla="val -58811"/>
             </a:avLst>
           </a:prstGeom>
           <a:noFill/>
           <a:ln w="25400" cap="flat" cmpd="sng" algn="ctr">
             <a:solidFill>
-              <a:srgbClr val="EEECE1">
+              <a:srgbClr val="eeece1">
                 <a:alpha val="100000"/>
               </a:srgbClr>
             </a:solidFill>
@@ -30135,7 +30187,7 @@
             </a:pPr>
             <a:endParaRPr kumimoji="0" lang="ko-KR" altLang="en-US" sz="1800" b="0" i="0" u="none" strike="noStrike" kern="1200" cap="none" spc="0" normalizeH="0" baseline="0">
               <a:solidFill>
-                <a:srgbClr val="FFFFFF"/>
+                <a:srgbClr val="ffffff"/>
               </a:solidFill>
               <a:latin typeface="맑은 고딕"/>
               <a:ea typeface="맑은 고딕"/>
@@ -30146,7 +30198,7 @@
       </p:sp>
       <p:pic>
         <p:nvPicPr>
-          <p:cNvPr id="19" name="그림 18"/>
+          <p:cNvPr id="21" name="그림 20"/>
           <p:cNvPicPr>
             <a:picLocks noChangeAspect="1"/>
           </p:cNvPicPr>
@@ -30160,8 +30212,8 @@
         </p:blipFill>
         <p:spPr>
           <a:xfrm>
-            <a:off x="5375920" y="4005064"/>
-            <a:ext cx="2232248" cy="2471417"/>
+            <a:off x="5126997" y="4759189"/>
+            <a:ext cx="3345267" cy="1190091"/>
           </a:xfrm>
           <a:prstGeom prst="rect">
             <a:avLst/>
@@ -30170,27 +30222,27 @@
       </p:pic>
       <p:sp>
         <p:nvSpPr>
-          <p:cNvPr id="20" name="설명선 1 19"/>
+          <p:cNvPr id="22" name="설명선 1 21"/>
           <p:cNvSpPr/>
           <p:nvPr/>
         </p:nvSpPr>
         <p:spPr>
           <a:xfrm>
-            <a:off x="4943872" y="3861048"/>
-            <a:ext cx="3384376" cy="2808312"/>
+            <a:off x="4871863" y="4581129"/>
+            <a:ext cx="3600400" cy="1368151"/>
           </a:xfrm>
           <a:prstGeom prst="borderCallout1">
             <a:avLst>
-              <a:gd name="adj1" fmla="val 19773"/>
-              <a:gd name="adj2" fmla="val -908"/>
-              <a:gd name="adj3" fmla="val 21611"/>
-              <a:gd name="adj4" fmla="val -39099"/>
+              <a:gd name="adj1" fmla="val 52541"/>
+              <a:gd name="adj2" fmla="val 113"/>
+              <a:gd name="adj3" fmla="val 37483"/>
+              <a:gd name="adj4" fmla="val -43197"/>
             </a:avLst>
           </a:prstGeom>
           <a:noFill/>
           <a:ln w="25400" cap="flat" cmpd="sng" algn="ctr">
             <a:solidFill>
-              <a:srgbClr val="EEECE1">
+              <a:srgbClr val="eeece1">
                 <a:alpha val="100000"/>
               </a:srgbClr>
             </a:solidFill>
@@ -30216,88 +30268,7 @@
             </a:pPr>
             <a:endParaRPr kumimoji="0" lang="ko-KR" altLang="en-US" sz="1800" b="0" i="0" u="none" strike="noStrike" kern="1200" cap="none" spc="0" normalizeH="0" baseline="0">
               <a:solidFill>
-                <a:srgbClr val="FFFFFF"/>
-              </a:solidFill>
-              <a:latin typeface="맑은 고딕"/>
-              <a:ea typeface="맑은 고딕"/>
-              <a:cs typeface="맑은 고딕"/>
-            </a:endParaRPr>
-          </a:p>
-        </p:txBody>
-      </p:sp>
-      <p:pic>
-        <p:nvPicPr>
-          <p:cNvPr id="21" name="그림 20"/>
-          <p:cNvPicPr>
-            <a:picLocks noChangeAspect="1"/>
-          </p:cNvPicPr>
-          <p:nvPr/>
-        </p:nvPicPr>
-        <p:blipFill rotWithShape="1">
-          <a:blip r:embed="rId8"/>
-          <a:stretch>
-            <a:fillRect/>
-          </a:stretch>
-        </p:blipFill>
-        <p:spPr>
-          <a:xfrm>
-            <a:off x="407368" y="5517232"/>
-            <a:ext cx="3345267" cy="1190091"/>
-          </a:xfrm>
-          <a:prstGeom prst="rect">
-            <a:avLst/>
-          </a:prstGeom>
-        </p:spPr>
-      </p:pic>
-      <p:sp>
-        <p:nvSpPr>
-          <p:cNvPr id="22" name="설명선 1 21"/>
-          <p:cNvSpPr/>
-          <p:nvPr/>
-        </p:nvSpPr>
-        <p:spPr>
-          <a:xfrm>
-            <a:off x="263352" y="5373217"/>
-            <a:ext cx="3600400" cy="1368151"/>
-          </a:xfrm>
-          <a:prstGeom prst="borderCallout1">
-            <a:avLst>
-              <a:gd name="adj1" fmla="val -1730"/>
-              <a:gd name="adj2" fmla="val 49779"/>
-              <a:gd name="adj3" fmla="val -21397"/>
-              <a:gd name="adj4" fmla="val 64582"/>
-            </a:avLst>
-          </a:prstGeom>
-          <a:noFill/>
-          <a:ln w="25400" cap="flat" cmpd="sng" algn="ctr">
-            <a:solidFill>
-              <a:srgbClr val="EEECE1">
-                <a:alpha val="100000"/>
-              </a:srgbClr>
-            </a:solidFill>
-            <a:prstDash val="solid"/>
-          </a:ln>
-        </p:spPr>
-        <p:txBody>
-          <a:bodyPr anchor="ctr"/>
-          <a:lstStyle/>
-          <a:p>
-            <a:pPr marL="0" lvl="0" indent="0" algn="ctr" defTabSz="914400" rtl="0" eaLnBrk="1" latinLnBrk="1" hangingPunct="1">
-              <a:lnSpc>
-                <a:spcPct val="100000"/>
-              </a:lnSpc>
-              <a:spcBef>
-                <a:spcPts val="0"/>
-              </a:spcBef>
-              <a:spcAft>
-                <a:spcPts val="0"/>
-              </a:spcAft>
-              <a:buNone/>
-              <a:defRPr/>
-            </a:pPr>
-            <a:endParaRPr kumimoji="0" lang="ko-KR" altLang="en-US" sz="1800" b="0" i="0" u="none" strike="noStrike" kern="1200" cap="none" spc="0" normalizeH="0" baseline="0">
-              <a:solidFill>
-                <a:srgbClr val="FFFFFF"/>
+                <a:srgbClr val="ffffff"/>
               </a:solidFill>
               <a:latin typeface="맑은 고딕"/>
               <a:ea typeface="맑은 고딕"/>
